--- a/Lectures/Lecture_1/HandsOn/BasicSQLForAnalytics.pptx
+++ b/Lectures/Lecture_1/HandsOn/BasicSQLForAnalytics.pptx
@@ -22,6 +22,11 @@
     <p:sldId id="267" r:id="rId19"/>
     <p:sldId id="268" r:id="rId20"/>
     <p:sldId id="269" r:id="rId21"/>
+    <p:sldId id="270" r:id="rId22"/>
+    <p:sldId id="271" r:id="rId23"/>
+    <p:sldId id="272" r:id="rId24"/>
+    <p:sldId id="273" r:id="rId25"/>
+    <p:sldId id="274" r:id="rId26"/>
   </p:sldIdLst>
   <p:sldSz cx="9144000" cy="6858000"/>
   <p:notesSz cx="6858000" cy="9144000"/>
@@ -8745,7 +8750,7 @@
       </p:grpSpPr>
       <p:sp>
         <p:nvSpPr>
-          <p:cNvPr id="304" name="Textfeld 1"/>
+          <p:cNvPr id="305" name="Textfeld 1"/>
           <p:cNvSpPr txBox="1"/>
           <p:nvPr>
             <p:ph type="sldNum" sz="quarter" idx="2"/>
@@ -8772,7 +8777,7 @@
       </p:sp>
       <p:sp>
         <p:nvSpPr>
-          <p:cNvPr id="305" name="Titel 1"/>
+          <p:cNvPr id="306" name="Titel 1"/>
           <p:cNvSpPr txBox="1"/>
           <p:nvPr>
             <p:ph type="title"/>
@@ -8789,14 +8794,14 @@
           <a:p>
             <a:pPr/>
             <a:r>
-              <a:t>3.1 Histogram of Counts</a:t>
-            </a:r>
-          </a:p>
-        </p:txBody>
-      </p:sp>
-      <p:sp>
-        <p:nvSpPr>
-          <p:cNvPr id="306" name="Ex: What is the number of order lines where the product occurs once (overall), twice, and so on?…"/>
+              <a:t>2.2 System Rows and Comparing Efficiency</a:t>
+            </a:r>
+          </a:p>
+        </p:txBody>
+      </p:sp>
+      <p:sp>
+        <p:nvSpPr>
+          <p:cNvPr id="307" name="Ex: Generate a random sample consisting of 1000 rows from the customers table and compare the query execution times.…"/>
           <p:cNvSpPr txBox="1"/>
           <p:nvPr>
             <p:ph type="body" idx="1"/>
@@ -8815,28 +8820,20 @@
               <a:defRPr sz="1800"/>
             </a:pPr>
             <a:r>
-              <a:t>Ex: What is the number of order lines where the product occurs once (overall), twice, and so on?</a:t>
-            </a:r>
-          </a:p>
-          <a:p>
-            <a:pPr>
-              <a:defRPr sz="1800"/>
-            </a:pPr>
+              <a:t>Ex: Generate a random sample consisting of 1000 rows from the customers table and compare the query execution times.</a:t>
+            </a:r>
           </a:p>
           <a:p>
             <a:pPr>
               <a:defRPr i="1"/>
             </a:pPr>
-            <a:r>
-              <a:t>-- (2) Group by number of order lines and find the product count</a:t>
-            </a:r>
           </a:p>
           <a:p>
             <a:pPr>
               <a:defRPr i="1"/>
             </a:pPr>
             <a:r>
-              <a:t>SELECT numol, COUNT(*) as numprods, MIN(ProductId), MAX(ProductId)</a:t>
+              <a:t>EXPLAIN ANALYSE</a:t>
             </a:r>
           </a:p>
           <a:p>
@@ -8844,7 +8841,7 @@
               <a:defRPr i="1"/>
             </a:pPr>
             <a:r>
-              <a:t>FROM (</a:t>
+              <a:t>SELECT * </a:t>
             </a:r>
           </a:p>
           <a:p>
@@ -8852,7 +8849,7 @@
               <a:defRPr i="1"/>
             </a:pPr>
             <a:r>
-              <a:t>	-- (1) Find the number of order lines where each product appears - group by ProductId</a:t>
+              <a:t>FROM customers</a:t>
             </a:r>
           </a:p>
           <a:p>
@@ -8860,7 +8857,7 @@
               <a:defRPr i="1"/>
             </a:pPr>
             <a:r>
-              <a:t>	SELECT ProductId, COUNT(*) as numol</a:t>
+              <a:t>ORDER BY random()</a:t>
             </a:r>
           </a:p>
           <a:p>
@@ -8868,23 +8865,20 @@
               <a:defRPr i="1"/>
             </a:pPr>
             <a:r>
-              <a:t>	FROM OrderLines</a:t>
+              <a:t>LIMIT 1000</a:t>
             </a:r>
           </a:p>
           <a:p>
             <a:pPr>
               <a:defRPr i="1"/>
             </a:pPr>
-            <a:r>
-              <a:t>	GROUP BY ProductId</a:t>
-            </a:r>
           </a:p>
           <a:p>
             <a:pPr>
               <a:defRPr i="1"/>
             </a:pPr>
             <a:r>
-              <a:t>) op</a:t>
+              <a:t>CREATE EXTENSION IF NOT EXISTS "tsm_system_rows";</a:t>
             </a:r>
           </a:p>
           <a:p>
@@ -8892,7 +8886,7 @@
               <a:defRPr i="1"/>
             </a:pPr>
             <a:r>
-              <a:t>GROUP BY numol</a:t>
+              <a:t>EXPLAIN ANALYZE</a:t>
             </a:r>
           </a:p>
           <a:p>
@@ -8900,7 +8894,23 @@
               <a:defRPr i="1"/>
             </a:pPr>
             <a:r>
-              <a:t>ORDER BY numol</a:t>
+              <a:t>SELECT * </a:t>
+            </a:r>
+          </a:p>
+          <a:p>
+            <a:pPr>
+              <a:defRPr i="1"/>
+            </a:pPr>
+            <a:r>
+              <a:t>FROM customers </a:t>
+            </a:r>
+          </a:p>
+          <a:p>
+            <a:pPr>
+              <a:defRPr i="1"/>
+            </a:pPr>
+            <a:r>
+              <a:t>TABLESAMPLE SYSTEM_ROWS(1000)</a:t>
             </a:r>
           </a:p>
         </p:txBody>
@@ -8933,33 +8943,6 @@
       </p:grpSpPr>
       <p:sp>
         <p:nvSpPr>
-          <p:cNvPr id="308" name="Textfeld 1"/>
-          <p:cNvSpPr txBox="1"/>
-          <p:nvPr>
-            <p:ph type="sldNum" sz="quarter" idx="2"/>
-          </p:nvPr>
-        </p:nvSpPr>
-        <p:spPr>
-          <a:prstGeom prst="rect">
-            <a:avLst/>
-          </a:prstGeom>
-          <a:extLst>
-            <a:ext uri="{C572A759-6A51-4108-AA02-DFA0A04FC94B}">
-              <ma14:wrappingTextBoxFlag xmlns:ma14="http://schemas.microsoft.com/office/mac/drawingml/2011/main" val="1"/>
-            </a:ext>
-          </a:extLst>
-        </p:spPr>
-        <p:txBody>
-          <a:bodyPr/>
-          <a:lstStyle/>
-          <a:p>
-            <a:pPr/>
-            <a:fld id="{86CB4B4D-7CA3-9044-876B-883B54F8677D}" type="slidenum"/>
-          </a:p>
-        </p:txBody>
-      </p:sp>
-      <p:sp>
-        <p:nvSpPr>
           <p:cNvPr id="309" name="Titel 1"/>
           <p:cNvSpPr txBox="1"/>
           <p:nvPr>
@@ -8977,20 +8960,24 @@
           <a:p>
             <a:pPr/>
             <a:r>
-              <a:t>3.2 Cumulative Histograms of Counts</a:t>
-            </a:r>
-          </a:p>
-        </p:txBody>
-      </p:sp>
-      <p:sp>
-        <p:nvSpPr>
-          <p:cNvPr id="310" name="Ex: What proportion of products account for half of all order lines?…"/>
+              <a:t>3 Histograms</a:t>
+            </a:r>
+          </a:p>
+        </p:txBody>
+      </p:sp>
+      <p:sp>
+        <p:nvSpPr>
+          <p:cNvPr id="310" name="Textplatzhalter 3"/>
           <p:cNvSpPr txBox="1"/>
           <p:nvPr>
             <p:ph type="body" idx="1"/>
           </p:nvPr>
         </p:nvSpPr>
         <p:spPr>
+          <a:xfrm>
+            <a:off x="251424" y="549273"/>
+            <a:ext cx="8641152" cy="5310051"/>
+          </a:xfrm>
           <a:prstGeom prst="rect">
             <a:avLst/>
           </a:prstGeom>
@@ -8999,245 +8986,250 @@
           <a:bodyPr/>
           <a:lstStyle/>
           <a:p>
-            <a:pPr defTabSz="472440">
+            <a:pPr defTabSz="502920">
               <a:spcBef>
                 <a:spcPts val="200"/>
               </a:spcBef>
-              <a:defRPr sz="1116"/>
-            </a:pPr>
-            <a:r>
-              <a:t>Ex: What proportion of products account for half of all order lines?</a:t>
-            </a:r>
-          </a:p>
-          <a:p>
-            <a:pPr defTabSz="472440">
+              <a:defRPr sz="1188"/>
+            </a:pPr>
+            <a:r>
+              <a:t>Analyze distribution with the help of charts.</a:t>
+            </a:r>
+          </a:p>
+          <a:p>
+            <a:pPr defTabSz="502920">
               <a:spcBef>
                 <a:spcPts val="200"/>
               </a:spcBef>
-              <a:defRPr i="1" sz="1240"/>
-            </a:pPr>
-            <a:r>
-              <a:t>WITH counts AS (</a:t>
-            </a:r>
-          </a:p>
-          <a:p>
-            <a:pPr defTabSz="472440">
+              <a:defRPr sz="1188"/>
+            </a:pPr>
+          </a:p>
+          <a:p>
+            <a:pPr defTabSz="502920">
               <a:spcBef>
                 <a:spcPts val="200"/>
               </a:spcBef>
-              <a:defRPr i="1" sz="1240"/>
-            </a:pPr>
-            <a:r>
-              <a:t>				-- (2) Group by number of order lines and find the product count</a:t>
-            </a:r>
-          </a:p>
-          <a:p>
-            <a:pPr defTabSz="472440">
-              <a:spcBef>
-                <a:spcPts val="200"/>
-              </a:spcBef>
-              <a:defRPr i="1" sz="1240"/>
-            </a:pPr>
-            <a:r>
-              <a:t>				SELECT numol, COUNT(*) as numprods, </a:t>
-            </a:r>
-          </a:p>
-          <a:p>
-            <a:pPr defTabSz="472440">
-              <a:spcBef>
-                <a:spcPts val="200"/>
-              </a:spcBef>
-              <a:defRPr i="1" sz="1240"/>
-            </a:pPr>
-            <a:r>
-              <a:t>					-- (4) Find cumulative number of order lines. </a:t>
-            </a:r>
-          </a:p>
-          <a:p>
-            <a:pPr defTabSz="472440">
-              <a:spcBef>
-                <a:spcPts val="200"/>
-              </a:spcBef>
-              <a:defRPr i="1" sz="1240"/>
-            </a:pPr>
-            <a:r>
-              <a:t>					SUM(COUNT(*) * numol) OVER (ORDER BY numol) AS cumulative_numol, </a:t>
-            </a:r>
-          </a:p>
-          <a:p>
-            <a:pPr defTabSz="472440">
-              <a:spcBef>
-                <a:spcPts val="200"/>
-              </a:spcBef>
-              <a:defRPr i="1" sz="1240"/>
-            </a:pPr>
-            <a:r>
-              <a:t>					-- (3) Find cumulative number of products.</a:t>
-            </a:r>
-          </a:p>
-          <a:p>
-            <a:pPr defTabSz="472440">
-              <a:spcBef>
-                <a:spcPts val="200"/>
-              </a:spcBef>
-              <a:defRPr i="1" sz="1240"/>
-            </a:pPr>
-            <a:r>
-              <a:t>					SUM(COUNT(*)) OVER (ORDER BY numol) AS cumulative_numprods</a:t>
-            </a:r>
-          </a:p>
-          <a:p>
-            <a:pPr defTabSz="472440">
-              <a:spcBef>
-                <a:spcPts val="200"/>
-              </a:spcBef>
-              <a:defRPr i="1" sz="1240"/>
-            </a:pPr>
-            <a:r>
-              <a:t>				FROM (</a:t>
-            </a:r>
-          </a:p>
-          <a:p>
-            <a:pPr defTabSz="472440">
-              <a:spcBef>
-                <a:spcPts val="200"/>
-              </a:spcBef>
-              <a:defRPr i="1" sz="1240"/>
-            </a:pPr>
-            <a:r>
-              <a:t>					-- (1) Find the number of order lines where each product appears</a:t>
-            </a:r>
-          </a:p>
-          <a:p>
-            <a:pPr defTabSz="472440">
-              <a:spcBef>
-                <a:spcPts val="200"/>
-              </a:spcBef>
-              <a:defRPr i="1" sz="1240"/>
-            </a:pPr>
-            <a:r>
-              <a:t>					SELECT ProductId, COUNT(*) as numol</a:t>
-            </a:r>
-          </a:p>
-          <a:p>
-            <a:pPr defTabSz="472440">
-              <a:spcBef>
-                <a:spcPts val="200"/>
-              </a:spcBef>
-              <a:defRPr i="1" sz="1240"/>
-            </a:pPr>
-            <a:r>
-              <a:t>					FROM OrderLines</a:t>
-            </a:r>
-          </a:p>
-          <a:p>
-            <a:pPr defTabSz="472440">
-              <a:spcBef>
-                <a:spcPts val="200"/>
-              </a:spcBef>
-              <a:defRPr i="1" sz="1240"/>
-            </a:pPr>
-            <a:r>
-              <a:t>					GROUP BY ProductId</a:t>
-            </a:r>
-          </a:p>
-          <a:p>
-            <a:pPr defTabSz="472440">
-              <a:spcBef>
-                <a:spcPts val="200"/>
-              </a:spcBef>
-              <a:defRPr i="1" sz="1240"/>
-            </a:pPr>
-            <a:r>
-              <a:t>				) op</a:t>
-            </a:r>
-          </a:p>
-          <a:p>
-            <a:pPr defTabSz="472440">
-              <a:spcBef>
-                <a:spcPts val="200"/>
-              </a:spcBef>
-              <a:defRPr i="1" sz="1240"/>
-            </a:pPr>
-            <a:r>
-              <a:t>	            GROUP BY numol</a:t>
-            </a:r>
-          </a:p>
-          <a:p>
-            <a:pPr defTabSz="472440">
-              <a:spcBef>
-                <a:spcPts val="200"/>
-              </a:spcBef>
-              <a:defRPr i="1" sz="1240"/>
-            </a:pPr>
-            <a:r>
-              <a:t>				ORDER BY numol</a:t>
-            </a:r>
-          </a:p>
-          <a:p>
-            <a:pPr defTabSz="472440">
-              <a:spcBef>
-                <a:spcPts val="200"/>
-              </a:spcBef>
-              <a:defRPr i="1" sz="1240"/>
-            </a:pPr>
-            <a:r>
-              <a:t>	            )</a:t>
-            </a:r>
-          </a:p>
-          <a:p>
-            <a:pPr defTabSz="472440">
-              <a:spcBef>
-                <a:spcPts val="200"/>
-              </a:spcBef>
-              <a:defRPr i="1" sz="1240"/>
-            </a:pPr>
-            <a:r>
-              <a:t>SELECT numol, numprods, cumulative_numol, cumulative_numprods, </a:t>
-            </a:r>
-          </a:p>
-          <a:p>
-            <a:pPr defTabSz="472440">
-              <a:spcBef>
-                <a:spcPts val="200"/>
-              </a:spcBef>
-              <a:defRPr i="1" sz="1240"/>
-            </a:pPr>
-            <a:r>
-              <a:t>		-- (5) Convert the cumulative sums to percentage</a:t>
-            </a:r>
-          </a:p>
-          <a:p>
-            <a:pPr defTabSz="472440">
-              <a:spcBef>
-                <a:spcPts val="200"/>
-              </a:spcBef>
-              <a:defRPr i="1" sz="1240"/>
-            </a:pPr>
-            <a:r>
-              <a:t>		(cumulative_numol/286017 * 100)::decimal(5,1) AS percentage_cumulative_numol, </a:t>
-            </a:r>
-          </a:p>
-          <a:p>
-            <a:pPr defTabSz="472440">
-              <a:spcBef>
-                <a:spcPts val="200"/>
-              </a:spcBef>
-              <a:defRPr i="1" sz="1240"/>
-            </a:pPr>
-            <a:r>
-              <a:t>		(cumulative_numprods/4040 * 100)::decimal(5,1) AS percentage_cumulative_numprods</a:t>
-            </a:r>
-          </a:p>
-          <a:p>
-            <a:pPr defTabSz="472440">
-              <a:spcBef>
-                <a:spcPts val="200"/>
-              </a:spcBef>
-              <a:defRPr i="1" sz="1240"/>
-            </a:pPr>
-            <a:r>
-              <a:t>FROM counts</a:t>
+              <a:defRPr sz="1188"/>
+            </a:pPr>
+            <a:r>
+              <a:t>Ex: What is the distribution of orders by state and how is this related to the state’s population?</a:t>
+            </a:r>
+          </a:p>
+          <a:p>
+            <a:pPr defTabSz="502920">
+              <a:spcBef>
+                <a:spcPts val="300"/>
+              </a:spcBef>
+              <a:defRPr i="1" sz="1320"/>
+            </a:pPr>
+          </a:p>
+          <a:p>
+            <a:pPr defTabSz="502920">
+              <a:spcBef>
+                <a:spcPts val="300"/>
+              </a:spcBef>
+              <a:defRPr i="1" sz="1320"/>
+            </a:pPr>
+            <a:r>
+              <a:t>— (4) Display the state along with number of orders and population of that state.</a:t>
+            </a:r>
+          </a:p>
+          <a:p>
+            <a:pPr defTabSz="502920">
+              <a:spcBef>
+                <a:spcPts val="300"/>
+              </a:spcBef>
+              <a:defRPr i="1" sz="1320"/>
+            </a:pPr>
+            <a:r>
+              <a:t>SELECT State, SUM(numorders) as numorders, SUM(pop) as pop</a:t>
+            </a:r>
+          </a:p>
+          <a:p>
+            <a:pPr defTabSz="502920">
+              <a:spcBef>
+                <a:spcPts val="300"/>
+              </a:spcBef>
+              <a:defRPr i="1" sz="1320"/>
+            </a:pPr>
+            <a:r>
+              <a:t>FROM (</a:t>
+            </a:r>
+          </a:p>
+          <a:p>
+            <a:pPr defTabSz="502920">
+              <a:spcBef>
+                <a:spcPts val="300"/>
+              </a:spcBef>
+              <a:defRPr i="1" sz="1320"/>
+            </a:pPr>
+            <a:r>
+              <a:t>    -- (1) For each state in orders table, we find the number of orders.</a:t>
+            </a:r>
+          </a:p>
+          <a:p>
+            <a:pPr defTabSz="502920">
+              <a:spcBef>
+                <a:spcPts val="300"/>
+              </a:spcBef>
+              <a:defRPr i="1" sz="1320"/>
+            </a:pPr>
+            <a:r>
+              <a:t>    (SELECT o.State, COUNT(*) as numorders, 0 as pop</a:t>
+            </a:r>
+          </a:p>
+          <a:p>
+            <a:pPr defTabSz="502920">
+              <a:spcBef>
+                <a:spcPts val="300"/>
+              </a:spcBef>
+              <a:defRPr i="1" sz="1320"/>
+            </a:pPr>
+            <a:r>
+              <a:t>    FROM Orders o</a:t>
+            </a:r>
+          </a:p>
+          <a:p>
+            <a:pPr defTabSz="502920">
+              <a:spcBef>
+                <a:spcPts val="300"/>
+              </a:spcBef>
+              <a:defRPr i="1" sz="1320"/>
+            </a:pPr>
+            <a:r>
+              <a:t>    GROUP BY o.state</a:t>
+            </a:r>
+          </a:p>
+          <a:p>
+            <a:pPr defTabSz="502920">
+              <a:spcBef>
+                <a:spcPts val="300"/>
+              </a:spcBef>
+              <a:defRPr i="1" sz="1320"/>
+            </a:pPr>
+            <a:r>
+              <a:t>	) </a:t>
+            </a:r>
+          </a:p>
+          <a:p>
+            <a:pPr defTabSz="502920">
+              <a:spcBef>
+                <a:spcPts val="300"/>
+              </a:spcBef>
+              <a:defRPr i="1" sz="1320"/>
+            </a:pPr>
+            <a:r>
+              <a:t>    -- (3) UNION ALL combines all rows in two tables.</a:t>
+            </a:r>
+          </a:p>
+          <a:p>
+            <a:pPr defTabSz="502920">
+              <a:spcBef>
+                <a:spcPts val="300"/>
+              </a:spcBef>
+              <a:defRPr i="1" sz="1320"/>
+            </a:pPr>
+            <a:r>
+              <a:t>    UNION ALL</a:t>
+            </a:r>
+          </a:p>
+          <a:p>
+            <a:pPr defTabSz="502920">
+              <a:spcBef>
+                <a:spcPts val="300"/>
+              </a:spcBef>
+              <a:defRPr i="1" sz="1320"/>
+            </a:pPr>
+            <a:r>
+              <a:t>    -- (2) For each state in zipcensus table, we find the total population.</a:t>
+            </a:r>
+          </a:p>
+          <a:p>
+            <a:pPr defTabSz="502920">
+              <a:spcBef>
+                <a:spcPts val="300"/>
+              </a:spcBef>
+              <a:defRPr i="1" sz="1320"/>
+            </a:pPr>
+            <a:r>
+              <a:t>    (SELECT zc.stab, 0 as numorders, SUM(totpop) as pop</a:t>
+            </a:r>
+          </a:p>
+          <a:p>
+            <a:pPr defTabSz="502920">
+              <a:spcBef>
+                <a:spcPts val="300"/>
+              </a:spcBef>
+              <a:defRPr i="1" sz="1320"/>
+            </a:pPr>
+            <a:r>
+              <a:t>     FROM ZipCensus zc</a:t>
+            </a:r>
+          </a:p>
+          <a:p>
+            <a:pPr defTabSz="502920">
+              <a:spcBef>
+                <a:spcPts val="300"/>
+              </a:spcBef>
+              <a:defRPr i="1" sz="1320"/>
+            </a:pPr>
+            <a:r>
+              <a:t>     GROUP BY zc.stab</a:t>
+            </a:r>
+          </a:p>
+          <a:p>
+            <a:pPr defTabSz="502920">
+              <a:spcBef>
+                <a:spcPts val="300"/>
+              </a:spcBef>
+              <a:defRPr i="1" sz="1320"/>
+            </a:pPr>
+            <a:r>
+              <a:t>    )</a:t>
+            </a:r>
+          </a:p>
+          <a:p>
+            <a:pPr defTabSz="502920">
+              <a:spcBef>
+                <a:spcPts val="300"/>
+              </a:spcBef>
+              <a:defRPr i="1" sz="1320"/>
+            </a:pPr>
+            <a:r>
+              <a:t>) summary</a:t>
+            </a:r>
+          </a:p>
+          <a:p>
+            <a:pPr defTabSz="502920">
+              <a:spcBef>
+                <a:spcPts val="300"/>
+              </a:spcBef>
+              <a:defRPr i="1" sz="1320"/>
+            </a:pPr>
+            <a:r>
+              <a:t>GROUP BY State</a:t>
+            </a:r>
+          </a:p>
+          <a:p>
+            <a:pPr defTabSz="502920">
+              <a:spcBef>
+                <a:spcPts val="300"/>
+              </a:spcBef>
+              <a:defRPr i="1" sz="1320"/>
+            </a:pPr>
+            <a:r>
+              <a:t>-- (5) Arrange the rows in descending order of number of orders</a:t>
+            </a:r>
+          </a:p>
+          <a:p>
+            <a:pPr defTabSz="502920">
+              <a:spcBef>
+                <a:spcPts val="300"/>
+              </a:spcBef>
+              <a:defRPr i="1" sz="1320"/>
+            </a:pPr>
+            <a:r>
+              <a:t>ORDER BY numorders DESC</a:t>
             </a:r>
           </a:p>
         </p:txBody>
@@ -9270,16 +9262,21 @@
       </p:grpSpPr>
       <p:sp>
         <p:nvSpPr>
-          <p:cNvPr id="312" name="Textfeld 1"/>
+          <p:cNvPr id="312" name="Marketing and sales efforts are focused on the northeast because New York and New Jersey have larger numbers of orders.…"/>
           <p:cNvSpPr txBox="1"/>
-          <p:nvPr>
-            <p:ph type="sldNum" sz="quarter" idx="2"/>
-          </p:nvPr>
-        </p:nvSpPr>
-        <p:spPr>
-          <a:prstGeom prst="rect">
-            <a:avLst/>
-          </a:prstGeom>
+          <p:nvPr/>
+        </p:nvSpPr>
+        <p:spPr>
+          <a:xfrm>
+            <a:off x="378424" y="4382370"/>
+            <a:ext cx="8641152" cy="1360698"/>
+          </a:xfrm>
+          <a:prstGeom prst="rect">
+            <a:avLst/>
+          </a:prstGeom>
+          <a:ln w="12700">
+            <a:miter lim="400000"/>
+          </a:ln>
           <a:extLst>
             <a:ext uri="{C572A759-6A51-4108-AA02-DFA0A04FC94B}">
               <ma14:wrappingTextBoxFlag xmlns:ma14="http://schemas.microsoft.com/office/mac/drawingml/2011/main" val="1"/>
@@ -9287,6 +9284,133 @@
           </a:extLst>
         </p:spPr>
         <p:txBody>
+          <a:bodyPr lIns="45719" rIns="45719">
+            <a:normAutofit fontScale="100000" lnSpcReduction="0"/>
+          </a:bodyPr>
+          <a:lstStyle/>
+          <a:p>
+            <a:pPr marL="145381" indent="-145381" defTabSz="457200">
+              <a:buSzPct val="100000"/>
+              <a:buChar char="•"/>
+              <a:defRPr sz="1450">
+                <a:latin typeface="+mn-lt"/>
+                <a:ea typeface="+mn-ea"/>
+                <a:cs typeface="+mn-cs"/>
+                <a:sym typeface="Helvetica"/>
+              </a:defRPr>
+            </a:pPr>
+            <a:r>
+              <a:t>Marketing and sales efforts are focused on the northeast because New York and New Jersey have larger numbers of orders. </a:t>
+            </a:r>
+          </a:p>
+          <a:p>
+            <a:pPr marL="145381" indent="-145381" defTabSz="457200">
+              <a:buSzPct val="100000"/>
+              <a:buChar char="•"/>
+              <a:defRPr sz="1450">
+                <a:latin typeface="+mn-lt"/>
+                <a:ea typeface="+mn-ea"/>
+                <a:cs typeface="+mn-cs"/>
+                <a:sym typeface="Helvetica"/>
+              </a:defRPr>
+            </a:pPr>
+            <a:r>
+              <a:t>California, which has the largest population, is third in number of orders.</a:t>
+            </a:r>
+          </a:p>
+        </p:txBody>
+      </p:sp>
+      <p:sp>
+        <p:nvSpPr>
+          <p:cNvPr id="313" name="Body"/>
+          <p:cNvSpPr txBox="1"/>
+          <p:nvPr>
+            <p:ph type="body" idx="1"/>
+          </p:nvPr>
+        </p:nvSpPr>
+        <p:spPr>
+          <a:xfrm>
+            <a:off x="251423" y="549273"/>
+            <a:ext cx="8641153" cy="3755243"/>
+          </a:xfrm>
+          <a:prstGeom prst="rect">
+            <a:avLst/>
+          </a:prstGeom>
+        </p:spPr>
+        <p:txBody>
+          <a:bodyPr/>
+          <a:lstStyle/>
+          <a:p>
+            <a:pPr defTabSz="746760">
+              <a:defRPr sz="1960"/>
+            </a:pPr>
+          </a:p>
+          <a:p>
+            <a:pPr defTabSz="746760">
+              <a:defRPr sz="1960"/>
+            </a:pPr>
+          </a:p>
+          <a:p>
+            <a:pPr defTabSz="746760">
+              <a:defRPr sz="1960"/>
+            </a:pPr>
+          </a:p>
+          <a:p>
+            <a:pPr defTabSz="746760">
+              <a:defRPr sz="1960"/>
+            </a:pPr>
+          </a:p>
+          <a:p>
+            <a:pPr defTabSz="746760">
+              <a:defRPr sz="1960"/>
+            </a:pPr>
+          </a:p>
+          <a:p>
+            <a:pPr defTabSz="746760">
+              <a:defRPr sz="1960"/>
+            </a:pPr>
+          </a:p>
+          <a:p>
+            <a:pPr defTabSz="746760">
+              <a:defRPr sz="1960"/>
+            </a:pPr>
+          </a:p>
+          <a:p>
+            <a:pPr defTabSz="746760">
+              <a:defRPr sz="1960"/>
+            </a:pPr>
+          </a:p>
+          <a:p>
+            <a:pPr defTabSz="746760">
+              <a:defRPr sz="1960"/>
+            </a:pPr>
+          </a:p>
+          <a:p>
+            <a:pPr defTabSz="746760">
+              <a:defRPr sz="1960"/>
+            </a:pPr>
+          </a:p>
+        </p:txBody>
+      </p:sp>
+      <p:sp>
+        <p:nvSpPr>
+          <p:cNvPr id="314" name="Slide Number"/>
+          <p:cNvSpPr txBox="1"/>
+          <p:nvPr>
+            <p:ph type="sldNum" sz="quarter" idx="2"/>
+          </p:nvPr>
+        </p:nvSpPr>
+        <p:spPr>
+          <a:prstGeom prst="rect">
+            <a:avLst/>
+          </a:prstGeom>
+          <a:extLst>
+            <a:ext uri="{C572A759-6A51-4108-AA02-DFA0A04FC94B}">
+              <ma14:wrappingTextBoxFlag xmlns:ma14="http://schemas.microsoft.com/office/mac/drawingml/2011/main" val="1"/>
+            </a:ext>
+          </a:extLst>
+        </p:spPr>
+        <p:txBody>
           <a:bodyPr/>
           <a:lstStyle/>
           <a:p>
@@ -9297,7 +9421,7 @@
       </p:sp>
       <p:sp>
         <p:nvSpPr>
-          <p:cNvPr id="313" name="Titel 1"/>
+          <p:cNvPr id="315" name="Observations"/>
           <p:cNvSpPr txBox="1"/>
           <p:nvPr>
             <p:ph type="title"/>
@@ -9314,225 +9438,123 @@
           <a:p>
             <a:pPr/>
             <a:r>
-              <a:t>3.3 Histograms (Frequencies) for Numeric Values</a:t>
-            </a:r>
-          </a:p>
-        </p:txBody>
-      </p:sp>
-      <p:sp>
-        <p:nvSpPr>
-          <p:cNvPr id="314" name="Ex: How many different values does totalprice take on?…"/>
-          <p:cNvSpPr txBox="1"/>
-          <p:nvPr>
-            <p:ph type="body" idx="1"/>
-          </p:nvPr>
-        </p:nvSpPr>
-        <p:spPr>
-          <a:prstGeom prst="rect">
-            <a:avLst/>
-          </a:prstGeom>
-        </p:spPr>
-        <p:txBody>
-          <a:bodyPr/>
-          <a:lstStyle/>
-          <a:p>
-            <a:pPr defTabSz="594359">
-              <a:spcBef>
-                <a:spcPts val="300"/>
-              </a:spcBef>
-              <a:defRPr sz="1403"/>
-            </a:pPr>
-            <a:r>
-              <a:t>Ex: How many different values does totalprice take on?</a:t>
-            </a:r>
-          </a:p>
-          <a:p>
-            <a:pPr marL="140769" indent="-140769" defTabSz="594359">
-              <a:spcBef>
-                <a:spcPts val="300"/>
-              </a:spcBef>
-              <a:buSzPct val="100000"/>
-              <a:buChar char="•"/>
-              <a:defRPr sz="1403"/>
-            </a:pPr>
-            <a:r>
-              <a:t>TotalPrice has over 4,000 values</a:t>
-            </a:r>
-          </a:p>
-          <a:p>
-            <a:pPr marL="140769" indent="-140769" defTabSz="594359">
-              <a:spcBef>
-                <a:spcPts val="300"/>
-              </a:spcBef>
-              <a:buSzPct val="100000"/>
-              <a:buChar char="•"/>
-              <a:defRPr sz="1403"/>
-            </a:pPr>
-            <a:r>
-              <a:t>Solution: Group them into ranges</a:t>
-            </a:r>
-          </a:p>
-          <a:p>
-            <a:pPr marL="140769" indent="-140769" defTabSz="594359">
-              <a:spcBef>
-                <a:spcPts val="300"/>
-              </a:spcBef>
-              <a:buSzPct val="100000"/>
-              <a:buChar char="•"/>
-              <a:defRPr sz="1403"/>
-            </a:pPr>
-          </a:p>
-          <a:p>
-            <a:pPr defTabSz="594359">
-              <a:spcBef>
-                <a:spcPts val="300"/>
-              </a:spcBef>
-              <a:defRPr i="1" sz="1560"/>
-            </a:pPr>
-            <a:r>
-              <a:t>SELECT SIGN(numdigits) * POWER(10, numdigits - 1) as lowerbound,</a:t>
-            </a:r>
-          </a:p>
-          <a:p>
-            <a:pPr defTabSz="594359">
-              <a:spcBef>
-                <a:spcPts val="300"/>
-              </a:spcBef>
-              <a:defRPr i="1" sz="1560"/>
-            </a:pPr>
-            <a:r>
-              <a:t>		POWER(10, numdigits) as upperbound, </a:t>
-            </a:r>
-          </a:p>
-          <a:p>
-            <a:pPr defTabSz="594359">
-              <a:spcBef>
-                <a:spcPts val="300"/>
-              </a:spcBef>
-              <a:defRPr i="1" sz="1560"/>
-            </a:pPr>
-            <a:r>
-              <a:t>        COUNT(*) as numorders, </a:t>
-            </a:r>
-          </a:p>
-          <a:p>
-            <a:pPr defTabSz="594359">
-              <a:spcBef>
-                <a:spcPts val="300"/>
-              </a:spcBef>
-              <a:defRPr i="1" sz="1560"/>
-            </a:pPr>
-            <a:r>
-              <a:t>        MIN(TotalPrice) as min_totalprice, </a:t>
-            </a:r>
-          </a:p>
-          <a:p>
-            <a:pPr defTabSz="594359">
-              <a:spcBef>
-                <a:spcPts val="300"/>
-              </a:spcBef>
-              <a:defRPr i="1" sz="1560"/>
-            </a:pPr>
-            <a:r>
-              <a:t>        MAX(TotalPrice) as maxtotalprice</a:t>
-            </a:r>
-          </a:p>
-          <a:p>
-            <a:pPr defTabSz="594359">
-              <a:spcBef>
-                <a:spcPts val="300"/>
-              </a:spcBef>
-              <a:defRPr i="1" sz="1560"/>
-            </a:pPr>
-            <a:r>
-              <a:t>	FROM (SELECT (CASE WHEN TotalPrice::decimal(10,2) &gt;= 1 THEN FLOOR(1 + LOG(TotalPrice::decimal(10,2)) / LOG(10))</a:t>
-            </a:r>
-          </a:p>
-          <a:p>
-            <a:pPr defTabSz="594359">
-              <a:spcBef>
-                <a:spcPts val="300"/>
-              </a:spcBef>
-              <a:defRPr i="1" sz="1560"/>
-            </a:pPr>
-            <a:r>
-              <a:t>						WHEN -1 &lt; TotalPrice::decimal(10,2) AND TotalPrice::decimal(10,2) &lt; 1 THEN 0</a:t>
-            </a:r>
-          </a:p>
-          <a:p>
-            <a:pPr defTabSz="594359">
-              <a:spcBef>
-                <a:spcPts val="300"/>
-              </a:spcBef>
-              <a:defRPr i="1" sz="1560"/>
-            </a:pPr>
-            <a:r>
-              <a:t>					ELSE - FLOOR(1 + LOG(-TotalPrice::decimal(10,2)) / LOG(10)) END</a:t>
-            </a:r>
-          </a:p>
-          <a:p>
-            <a:pPr defTabSz="594359">
-              <a:spcBef>
-                <a:spcPts val="300"/>
-              </a:spcBef>
-              <a:defRPr i="1" sz="1560"/>
-            </a:pPr>
-            <a:r>
-              <a:t>) as numdigits, TotalPrice</a:t>
-            </a:r>
-          </a:p>
-          <a:p>
-            <a:pPr defTabSz="594359">
-              <a:spcBef>
-                <a:spcPts val="300"/>
-              </a:spcBef>
-              <a:defRPr i="1" sz="1560"/>
-            </a:pPr>
-            <a:r>
-              <a:t>FROM Orders o</a:t>
-            </a:r>
-          </a:p>
-          <a:p>
-            <a:pPr defTabSz="594359">
-              <a:spcBef>
-                <a:spcPts val="300"/>
-              </a:spcBef>
-              <a:defRPr i="1" sz="1560"/>
-            </a:pPr>
-            <a:r>
-              <a:t>) a</a:t>
-            </a:r>
-          </a:p>
-          <a:p>
-            <a:pPr defTabSz="594359">
-              <a:spcBef>
-                <a:spcPts val="300"/>
-              </a:spcBef>
-              <a:defRPr i="1" sz="1560"/>
-            </a:pPr>
-            <a:r>
-              <a:t>GROUP BY numdigits</a:t>
-            </a:r>
-          </a:p>
-          <a:p>
-            <a:pPr defTabSz="594359">
-              <a:spcBef>
-                <a:spcPts val="300"/>
-              </a:spcBef>
-              <a:defRPr i="1" sz="1560"/>
-            </a:pPr>
-            <a:r>
-              <a:t>ORDER BY numdigits</a:t>
-            </a:r>
-          </a:p>
-        </p:txBody>
-      </p:sp>
+              <a:t>Observations</a:t>
+            </a:r>
+          </a:p>
+        </p:txBody>
+      </p:sp>
+      <p:pic>
+        <p:nvPicPr>
+          <p:cNvPr id="316" name="1_Histograms.png" descr="1_Histograms.png"/>
+          <p:cNvPicPr>
+            <a:picLocks noChangeAspect="1"/>
+          </p:cNvPicPr>
+          <p:nvPr/>
+        </p:nvPicPr>
+        <p:blipFill>
+          <a:blip r:embed="rId2">
+            <a:extLst/>
+          </a:blip>
+          <a:stretch>
+            <a:fillRect/>
+          </a:stretch>
+        </p:blipFill>
+        <p:spPr>
+          <a:xfrm>
+            <a:off x="685800" y="501650"/>
+            <a:ext cx="8026400" cy="3568700"/>
+          </a:xfrm>
+          <a:prstGeom prst="rect">
+            <a:avLst/>
+          </a:prstGeom>
+          <a:ln w="12700">
+            <a:miter lim="400000"/>
+          </a:ln>
+        </p:spPr>
+      </p:pic>
     </p:spTree>
   </p:cSld>
   <p:clrMapOvr>
     <a:masterClrMapping/>
   </p:clrMapOvr>
   <p:transition xmlns:p14="http://schemas.microsoft.com/office/powerpoint/2010/main" spd="med" advClick="1"/>
+  <p:timing>
+    <p:tnLst>
+      <p:par>
+        <p:cTn id="1" nodeType="tmRoot" restart="never" dur="indefinite" fill="hold">
+          <p:childTnLst>
+            <p:seq concurrent="1" prevAc="none" nextAc="seek">
+              <p:cTn id="2" nodeType="mainSeq" dur="indefinite" fill="hold">
+                <p:childTnLst>
+                  <p:par>
+                    <p:cTn id="3" fill="hold">
+                      <p:stCondLst>
+                        <p:cond delay="indefinite"/>
+                      </p:stCondLst>
+                      <p:childTnLst>
+                        <p:par>
+                          <p:cTn id="4" fill="hold">
+                            <p:stCondLst>
+                              <p:cond delay="0"/>
+                            </p:stCondLst>
+                            <p:childTnLst>
+                              <p:par>
+                                <p:cTn id="5" presetClass="entr" nodeType="clickEffect" presetSubtype="0" presetID="1" grpId="1" fill="hold">
+                                  <p:stCondLst>
+                                    <p:cond delay="0"/>
+                                  </p:stCondLst>
+                                  <p:iterate type="el" backwards="0">
+                                    <p:tmAbs val="0"/>
+                                  </p:iterate>
+                                  <p:childTnLst>
+                                    <p:set>
+                                      <p:cBhvr>
+                                        <p:cTn id="6" fill="hold"/>
+                                        <p:tgtEl>
+                                          <p:spTgt spid="312"/>
+                                        </p:tgtEl>
+                                        <p:attrNameLst>
+                                          <p:attrName>style.visibility</p:attrName>
+                                        </p:attrNameLst>
+                                      </p:cBhvr>
+                                      <p:to>
+                                        <p:strVal val="visible"/>
+                                      </p:to>
+                                    </p:set>
+                                  </p:childTnLst>
+                                </p:cTn>
+                              </p:par>
+                            </p:childTnLst>
+                          </p:cTn>
+                        </p:par>
+                      </p:childTnLst>
+                    </p:cTn>
+                  </p:par>
+                </p:childTnLst>
+              </p:cTn>
+              <p:prevCondLst>
+                <p:cond evt="onPrev">
+                  <p:tgtEl>
+                    <p:sldTgt/>
+                  </p:tgtEl>
+                </p:cond>
+              </p:prevCondLst>
+              <p:nextCondLst>
+                <p:cond evt="onNext">
+                  <p:tgtEl>
+                    <p:sldTgt/>
+                  </p:tgtEl>
+                </p:cond>
+              </p:nextCondLst>
+            </p:seq>
+          </p:childTnLst>
+        </p:cTn>
+      </p:par>
+    </p:tnLst>
+    <p:bldLst>
+      <p:bldP build="whole" bldLvl="1" animBg="1" rev="0" advAuto="0" spid="312" grpId="1"/>
+    </p:bldLst>
+  </p:timing>
 </p:sld>
 </file>
 
@@ -9555,7 +9577,7 @@
       </p:grpSpPr>
       <p:sp>
         <p:nvSpPr>
-          <p:cNvPr id="316" name="Textfeld 1"/>
+          <p:cNvPr id="318" name="Textfeld 1"/>
           <p:cNvSpPr txBox="1"/>
           <p:nvPr>
             <p:ph type="sldNum" sz="quarter" idx="2"/>
@@ -9582,7 +9604,7 @@
       </p:sp>
       <p:sp>
         <p:nvSpPr>
-          <p:cNvPr id="317" name="Titel 1"/>
+          <p:cNvPr id="319" name="Titel 1"/>
           <p:cNvSpPr txBox="1"/>
           <p:nvPr>
             <p:ph type="title"/>
@@ -9599,14 +9621,14 @@
           <a:p>
             <a:pPr/>
             <a:r>
-              <a:t>Equal-sized groups</a:t>
-            </a:r>
-          </a:p>
-        </p:txBody>
-      </p:sp>
-      <p:sp>
-        <p:nvSpPr>
-          <p:cNvPr id="318" name="Int width_bucket(numeric op, numeric b1, numeric b2, int count)…"/>
+              <a:t>3.1 Histogram of Counts</a:t>
+            </a:r>
+          </a:p>
+        </p:txBody>
+      </p:sp>
+      <p:sp>
+        <p:nvSpPr>
+          <p:cNvPr id="320" name="Ex: What is the number of order lines where the product occurs once (overall), twice, and so on?…"/>
           <p:cNvSpPr txBox="1"/>
           <p:nvPr>
             <p:ph type="body" idx="1"/>
@@ -9621,242 +9643,96 @@
           <a:bodyPr/>
           <a:lstStyle/>
           <a:p>
-            <a:pPr defTabSz="472440">
-              <a:spcBef>
-                <a:spcPts val="200"/>
-              </a:spcBef>
-              <a:defRPr sz="1116"/>
-            </a:pPr>
-            <a:r>
-              <a:t>Int width_bucket(numeric op, numeric b1, numeric b2, int count) </a:t>
-            </a:r>
-          </a:p>
-          <a:p>
-            <a:pPr defTabSz="472440">
-              <a:spcBef>
-                <a:spcPts val="200"/>
-              </a:spcBef>
-              <a:defRPr sz="1116"/>
-            </a:pPr>
-          </a:p>
-          <a:p>
-            <a:pPr defTabSz="472440">
-              <a:spcBef>
-                <a:spcPts val="200"/>
-              </a:spcBef>
-              <a:defRPr sz="1116"/>
-            </a:pPr>
-            <a:r>
-              <a:t>Ex: Divide the product data into 10 equal price buckets and draw a histogram depicting the number of products that fall into each of these price buckets. For simplicity, consider products with price less than $1000.</a:t>
-            </a:r>
-          </a:p>
-          <a:p>
-            <a:pPr defTabSz="472440">
-              <a:spcBef>
-                <a:spcPts val="200"/>
-              </a:spcBef>
-              <a:defRPr i="1" sz="1240"/>
-            </a:pPr>
-            <a:r>
-              <a:t>WITH p_1000 AS (</a:t>
-            </a:r>
-          </a:p>
-          <a:p>
-            <a:pPr defTabSz="472440">
-              <a:spcBef>
-                <a:spcPts val="200"/>
-              </a:spcBef>
-              <a:defRPr i="1" sz="1240"/>
-            </a:pPr>
-            <a:r>
-              <a:t>	-- (1) Filter out the products with price &gt; $1000</a:t>
-            </a:r>
-          </a:p>
-          <a:p>
-            <a:pPr defTabSz="472440">
-              <a:spcBef>
-                <a:spcPts val="200"/>
-              </a:spcBef>
-              <a:defRPr i="1" sz="1240"/>
-            </a:pPr>
-            <a:r>
-              <a:t>    SELECT p.*</a:t>
-            </a:r>
-          </a:p>
-          <a:p>
-            <a:pPr defTabSz="472440">
-              <a:spcBef>
-                <a:spcPts val="200"/>
-              </a:spcBef>
-              <a:defRPr i="1" sz="1240"/>
-            </a:pPr>
-            <a:r>
-              <a:t>	FROM products p</a:t>
-            </a:r>
-          </a:p>
-          <a:p>
-            <a:pPr defTabSz="472440">
-              <a:spcBef>
-                <a:spcPts val="200"/>
-              </a:spcBef>
-              <a:defRPr i="1" sz="1240"/>
-            </a:pPr>
-            <a:r>
-              <a:t>	WHERE fullprice::decimal(10,1) &lt;= 1000</a:t>
-            </a:r>
-          </a:p>
-          <a:p>
-            <a:pPr defTabSz="472440">
-              <a:spcBef>
-                <a:spcPts val="200"/>
-              </a:spcBef>
-              <a:defRPr i="1" sz="1240"/>
-            </a:pPr>
-            <a:r>
-              <a:t>    ),</a:t>
-            </a:r>
-          </a:p>
-          <a:p>
-            <a:pPr defTabSz="472440">
-              <a:spcBef>
-                <a:spcPts val="200"/>
-              </a:spcBef>
-              <a:defRPr i="1" sz="1240"/>
-            </a:pPr>
-            <a:r>
-              <a:t>	p_minmax AS ( </a:t>
-            </a:r>
-          </a:p>
-          <a:p>
-            <a:pPr defTabSz="472440">
-              <a:spcBef>
-                <a:spcPts val="200"/>
-              </a:spcBef>
-              <a:defRPr i="1" sz="1240"/>
-            </a:pPr>
-            <a:r>
-              <a:t>	-- (2) Find the min and max price of the current distribution</a:t>
-            </a:r>
-          </a:p>
-          <a:p>
-            <a:pPr defTabSz="472440">
-              <a:spcBef>
-                <a:spcPts val="200"/>
-              </a:spcBef>
-              <a:defRPr i="1" sz="1240"/>
-            </a:pPr>
-            <a:r>
-              <a:t>    SELECT MIN(fullprice::DECIMAL(10,1)) AS min_price,</a:t>
-            </a:r>
-          </a:p>
-          <a:p>
-            <a:pPr defTabSz="472440">
-              <a:spcBef>
-                <a:spcPts val="200"/>
-              </a:spcBef>
-              <a:defRPr i="1" sz="1240"/>
-            </a:pPr>
-            <a:r>
-              <a:t>    	   MAX(fullprice::DECIMAL(10,1)) AS max_price</a:t>
-            </a:r>
-          </a:p>
-          <a:p>
-            <a:pPr defTabSz="472440">
-              <a:spcBef>
-                <a:spcPts val="200"/>
-              </a:spcBef>
-              <a:defRPr i="1" sz="1240"/>
-            </a:pPr>
-            <a:r>
-              <a:t>    FROM p_1000</a:t>
-            </a:r>
-          </a:p>
-          <a:p>
-            <a:pPr defTabSz="472440">
-              <a:spcBef>
-                <a:spcPts val="200"/>
-              </a:spcBef>
-              <a:defRPr i="1" sz="1240"/>
-            </a:pPr>
-            <a:r>
-              <a:t>	)</a:t>
-            </a:r>
-          </a:p>
-          <a:p>
-            <a:pPr defTabSz="472440">
-              <a:spcBef>
-                <a:spcPts val="200"/>
-              </a:spcBef>
-              <a:defRPr i="1" sz="1240"/>
-            </a:pPr>
-            <a:r>
-              <a:t>-- (3) The data in the range min_price to max_price is divided into 10 + 1 buckets. Find the bucket to which the price of each product belongs to. And group them by buckets.</a:t>
-            </a:r>
-          </a:p>
-          <a:p>
-            <a:pPr defTabSz="472440">
-              <a:spcBef>
-                <a:spcPts val="200"/>
-              </a:spcBef>
-              <a:defRPr i="1" sz="1240"/>
-            </a:pPr>
-            <a:r>
-              <a:t>SELECT WIDTH_BUCKET(fullprice::DECIMAL(10,1), min_price, max_price, 10) AS bucket,</a:t>
-            </a:r>
-          </a:p>
-          <a:p>
-            <a:pPr defTabSz="472440">
-              <a:spcBef>
-                <a:spcPts val="200"/>
-              </a:spcBef>
-              <a:defRPr i="1" sz="1240"/>
-            </a:pPr>
-            <a:r>
-              <a:t>      MIN(fullprice::DECIMAL(10,1)) as min_price, MAX(fullprice::DECIMAL(10,1)) as max_price,</a:t>
-            </a:r>
-          </a:p>
-          <a:p>
-            <a:pPr defTabSz="472440">
-              <a:spcBef>
-                <a:spcPts val="200"/>
-              </a:spcBef>
-              <a:defRPr i="1" sz="1240"/>
-            </a:pPr>
-            <a:r>
-              <a:t>      COUNT(*) AS freq</a:t>
-            </a:r>
-          </a:p>
-          <a:p>
-            <a:pPr defTabSz="472440">
-              <a:spcBef>
-                <a:spcPts val="200"/>
-              </a:spcBef>
-              <a:defRPr i="1" sz="1240"/>
-            </a:pPr>
-            <a:r>
-              <a:t>FROM p_1000, p_minmax</a:t>
-            </a:r>
-          </a:p>
-          <a:p>
-            <a:pPr defTabSz="472440">
-              <a:spcBef>
-                <a:spcPts val="200"/>
-              </a:spcBef>
-              <a:defRPr i="1" sz="1240"/>
-            </a:pPr>
-            <a:r>
-              <a:t>GROUP BY bucket</a:t>
-            </a:r>
-          </a:p>
-          <a:p>
-            <a:pPr defTabSz="472440">
-              <a:spcBef>
-                <a:spcPts val="200"/>
-              </a:spcBef>
-              <a:defRPr i="1" sz="1240"/>
-            </a:pPr>
-            <a:r>
-              <a:t>ORDER BY bucket</a:t>
+            <a:pPr>
+              <a:defRPr sz="1800"/>
+            </a:pPr>
+            <a:r>
+              <a:t>Ex: What is the number of order lines where the product occurs once (overall), twice, and so on?</a:t>
+            </a:r>
+          </a:p>
+          <a:p>
+            <a:pPr>
+              <a:defRPr sz="1800"/>
+            </a:pPr>
+          </a:p>
+          <a:p>
+            <a:pPr>
+              <a:defRPr i="1"/>
+            </a:pPr>
+            <a:r>
+              <a:t>-- (2) Group by number of order lines and find the product count</a:t>
+            </a:r>
+          </a:p>
+          <a:p>
+            <a:pPr>
+              <a:defRPr i="1"/>
+            </a:pPr>
+            <a:r>
+              <a:t>SELECT numol, COUNT(*) as numprods, MIN(ProductId), MAX(ProductId)</a:t>
+            </a:r>
+          </a:p>
+          <a:p>
+            <a:pPr>
+              <a:defRPr i="1"/>
+            </a:pPr>
+            <a:r>
+              <a:t>FROM (</a:t>
+            </a:r>
+          </a:p>
+          <a:p>
+            <a:pPr>
+              <a:defRPr i="1"/>
+            </a:pPr>
+            <a:r>
+              <a:t>	-- (1) Find the number of order lines where each product appears - group by ProductId</a:t>
+            </a:r>
+          </a:p>
+          <a:p>
+            <a:pPr>
+              <a:defRPr i="1"/>
+            </a:pPr>
+            <a:r>
+              <a:t>	SELECT ProductId, COUNT(*) as numol</a:t>
+            </a:r>
+          </a:p>
+          <a:p>
+            <a:pPr>
+              <a:defRPr i="1"/>
+            </a:pPr>
+            <a:r>
+              <a:t>	FROM OrderLines</a:t>
+            </a:r>
+          </a:p>
+          <a:p>
+            <a:pPr>
+              <a:defRPr i="1"/>
+            </a:pPr>
+            <a:r>
+              <a:t>	GROUP BY ProductId</a:t>
+            </a:r>
+          </a:p>
+          <a:p>
+            <a:pPr>
+              <a:defRPr i="1"/>
+            </a:pPr>
+            <a:r>
+              <a:t>) op</a:t>
+            </a:r>
+          </a:p>
+          <a:p>
+            <a:pPr>
+              <a:defRPr i="1"/>
+            </a:pPr>
+            <a:r>
+              <a:t>GROUP BY numol</a:t>
+            </a:r>
+          </a:p>
+          <a:p>
+            <a:pPr>
+              <a:defRPr i="1"/>
+            </a:pPr>
+            <a:r>
+              <a:t>ORDER BY numol</a:t>
             </a:r>
           </a:p>
         </p:txBody>
@@ -9889,7 +9765,7 @@
       </p:grpSpPr>
       <p:sp>
         <p:nvSpPr>
-          <p:cNvPr id="320" name="Textfeld 1"/>
+          <p:cNvPr id="322" name="Textfeld 1"/>
           <p:cNvSpPr txBox="1"/>
           <p:nvPr>
             <p:ph type="sldNum" sz="quarter" idx="2"/>
@@ -9916,7 +9792,7 @@
       </p:sp>
       <p:sp>
         <p:nvSpPr>
-          <p:cNvPr id="321" name="Titel 1"/>
+          <p:cNvPr id="323" name="Titel 1"/>
           <p:cNvSpPr txBox="1"/>
           <p:nvPr>
             <p:ph type="title"/>
@@ -9933,6 +9809,1999 @@
           <a:p>
             <a:pPr/>
             <a:r>
+              <a:t>Observations</a:t>
+            </a:r>
+          </a:p>
+        </p:txBody>
+      </p:sp>
+      <p:sp>
+        <p:nvSpPr>
+          <p:cNvPr id="324" name="Find the most common product/products from this table"/>
+          <p:cNvSpPr txBox="1"/>
+          <p:nvPr>
+            <p:ph type="body" sz="quarter" idx="1"/>
+          </p:nvPr>
+        </p:nvSpPr>
+        <p:spPr>
+          <a:xfrm>
+            <a:off x="251423" y="549273"/>
+            <a:ext cx="8641153" cy="691861"/>
+          </a:xfrm>
+          <a:prstGeom prst="rect">
+            <a:avLst/>
+          </a:prstGeom>
+        </p:spPr>
+        <p:txBody>
+          <a:bodyPr/>
+          <a:lstStyle>
+            <a:lvl1pPr marL="180473" indent="-180473">
+              <a:buSzPct val="100000"/>
+              <a:buChar char="•"/>
+              <a:defRPr sz="1800"/>
+            </a:lvl1pPr>
+          </a:lstStyle>
+          <a:p>
+            <a:pPr/>
+            <a:r>
+              <a:t>Find the most common product/products from this table</a:t>
+            </a:r>
+          </a:p>
+        </p:txBody>
+      </p:sp>
+      <p:sp>
+        <p:nvSpPr>
+          <p:cNvPr id="325" name="The last row of the table has the most common product, whose ID is 12820 and appears in 18,648 order lines."/>
+          <p:cNvSpPr txBox="1"/>
+          <p:nvPr/>
+        </p:nvSpPr>
+        <p:spPr>
+          <a:xfrm>
+            <a:off x="378423" y="888275"/>
+            <a:ext cx="8641153" cy="901215"/>
+          </a:xfrm>
+          <a:prstGeom prst="rect">
+            <a:avLst/>
+          </a:prstGeom>
+          <a:ln w="12700">
+            <a:miter lim="400000"/>
+          </a:ln>
+          <a:extLst>
+            <a:ext uri="{C572A759-6A51-4108-AA02-DFA0A04FC94B}">
+              <ma14:wrappingTextBoxFlag xmlns:ma14="http://schemas.microsoft.com/office/mac/drawingml/2011/main" val="1"/>
+            </a:ext>
+          </a:extLst>
+        </p:spPr>
+        <p:txBody>
+          <a:bodyPr lIns="45719" rIns="45719">
+            <a:normAutofit fontScale="100000" lnSpcReduction="0"/>
+          </a:bodyPr>
+          <a:lstStyle>
+            <a:lvl1pPr defTabSz="739140">
+              <a:spcBef>
+                <a:spcPts val="400"/>
+              </a:spcBef>
+              <a:defRPr sz="1746"/>
+            </a:lvl1pPr>
+          </a:lstStyle>
+          <a:p>
+            <a:pPr/>
+            <a:r>
+              <a:t>The last row of the table has the most common product, whose ID is 12820 and appears in 18,648 order lines. </a:t>
+            </a:r>
+          </a:p>
+        </p:txBody>
+      </p:sp>
+      <p:sp>
+        <p:nvSpPr>
+          <p:cNvPr id="326" name="Find the least common product/products"/>
+          <p:cNvSpPr txBox="1"/>
+          <p:nvPr/>
+        </p:nvSpPr>
+        <p:spPr>
+          <a:xfrm>
+            <a:off x="251423" y="1463869"/>
+            <a:ext cx="8641153" cy="990167"/>
+          </a:xfrm>
+          <a:prstGeom prst="rect">
+            <a:avLst/>
+          </a:prstGeom>
+          <a:ln w="12700">
+            <a:miter lim="400000"/>
+          </a:ln>
+          <a:extLst>
+            <a:ext uri="{C572A759-6A51-4108-AA02-DFA0A04FC94B}">
+              <ma14:wrappingTextBoxFlag xmlns:ma14="http://schemas.microsoft.com/office/mac/drawingml/2011/main" val="1"/>
+            </a:ext>
+          </a:extLst>
+        </p:spPr>
+        <p:txBody>
+          <a:bodyPr lIns="45719" rIns="45719">
+            <a:normAutofit fontScale="100000" lnSpcReduction="0"/>
+          </a:bodyPr>
+          <a:lstStyle/>
+          <a:p>
+            <a:pPr marL="175059" indent="-175059" defTabSz="739140">
+              <a:spcBef>
+                <a:spcPts val="400"/>
+              </a:spcBef>
+              <a:buSzPct val="100000"/>
+              <a:buChar char="•"/>
+              <a:defRPr sz="1746"/>
+            </a:pPr>
+          </a:p>
+          <a:p>
+            <a:pPr marL="175059" indent="-175059" defTabSz="739140">
+              <a:spcBef>
+                <a:spcPts val="400"/>
+              </a:spcBef>
+              <a:buSzPct val="100000"/>
+              <a:buChar char="•"/>
+              <a:defRPr sz="1746"/>
+            </a:pPr>
+            <a:r>
+              <a:t>Find the least common product/products</a:t>
+            </a:r>
+          </a:p>
+        </p:txBody>
+      </p:sp>
+      <p:sp>
+        <p:nvSpPr>
+          <p:cNvPr id="327" name="The least common products are in the first row, there are 933 that occur only once."/>
+          <p:cNvSpPr txBox="1"/>
+          <p:nvPr/>
+        </p:nvSpPr>
+        <p:spPr>
+          <a:xfrm>
+            <a:off x="378423" y="2073469"/>
+            <a:ext cx="8641153" cy="453539"/>
+          </a:xfrm>
+          <a:prstGeom prst="rect">
+            <a:avLst/>
+          </a:prstGeom>
+          <a:ln w="12700">
+            <a:miter lim="400000"/>
+          </a:ln>
+          <a:extLst>
+            <a:ext uri="{C572A759-6A51-4108-AA02-DFA0A04FC94B}">
+              <ma14:wrappingTextBoxFlag xmlns:ma14="http://schemas.microsoft.com/office/mac/drawingml/2011/main" val="1"/>
+            </a:ext>
+          </a:extLst>
+        </p:spPr>
+        <p:txBody>
+          <a:bodyPr lIns="45719" rIns="45719">
+            <a:normAutofit fontScale="100000" lnSpcReduction="0"/>
+          </a:bodyPr>
+          <a:lstStyle>
+            <a:lvl1pPr defTabSz="754380">
+              <a:spcBef>
+                <a:spcPts val="400"/>
+              </a:spcBef>
+              <a:defRPr sz="1782"/>
+            </a:lvl1pPr>
+          </a:lstStyle>
+          <a:p>
+            <a:pPr/>
+            <a:r>
+              <a:t>The least common products are in the first row, there are 933 that occur only once.</a:t>
+            </a:r>
+          </a:p>
+        </p:txBody>
+      </p:sp>
+      <p:sp>
+        <p:nvSpPr>
+          <p:cNvPr id="328" name="How many different values of ProductId are there?"/>
+          <p:cNvSpPr txBox="1"/>
+          <p:nvPr/>
+        </p:nvSpPr>
+        <p:spPr>
+          <a:xfrm>
+            <a:off x="378423" y="2803771"/>
+            <a:ext cx="8641153" cy="691861"/>
+          </a:xfrm>
+          <a:prstGeom prst="rect">
+            <a:avLst/>
+          </a:prstGeom>
+          <a:ln w="12700">
+            <a:miter lim="400000"/>
+          </a:ln>
+          <a:extLst>
+            <a:ext uri="{C572A759-6A51-4108-AA02-DFA0A04FC94B}">
+              <ma14:wrappingTextBoxFlag xmlns:ma14="http://schemas.microsoft.com/office/mac/drawingml/2011/main" val="1"/>
+            </a:ext>
+          </a:extLst>
+        </p:spPr>
+        <p:txBody>
+          <a:bodyPr lIns="45719" rIns="45719">
+            <a:normAutofit fontScale="100000" lnSpcReduction="0"/>
+          </a:bodyPr>
+          <a:lstStyle>
+            <a:lvl1pPr marL="180473" indent="-180473" defTabSz="762000">
+              <a:spcBef>
+                <a:spcPts val="400"/>
+              </a:spcBef>
+              <a:buSzPct val="100000"/>
+              <a:buChar char="•"/>
+              <a:defRPr sz="1800"/>
+            </a:lvl1pPr>
+          </a:lstStyle>
+          <a:p>
+            <a:pPr/>
+            <a:r>
+              <a:t>How many different values of ProductId are there?</a:t>
+            </a:r>
+          </a:p>
+        </p:txBody>
+      </p:sp>
+      <p:sp>
+        <p:nvSpPr>
+          <p:cNvPr id="329" name="Sum all values in the number of products column - 4,040"/>
+          <p:cNvSpPr txBox="1"/>
+          <p:nvPr/>
+        </p:nvSpPr>
+        <p:spPr>
+          <a:xfrm>
+            <a:off x="378423" y="3129449"/>
+            <a:ext cx="8641153" cy="453539"/>
+          </a:xfrm>
+          <a:prstGeom prst="rect">
+            <a:avLst/>
+          </a:prstGeom>
+          <a:ln w="12700">
+            <a:miter lim="400000"/>
+          </a:ln>
+          <a:extLst>
+            <a:ext uri="{C572A759-6A51-4108-AA02-DFA0A04FC94B}">
+              <ma14:wrappingTextBoxFlag xmlns:ma14="http://schemas.microsoft.com/office/mac/drawingml/2011/main" val="1"/>
+            </a:ext>
+          </a:extLst>
+        </p:spPr>
+        <p:txBody>
+          <a:bodyPr lIns="45719" rIns="45719">
+            <a:normAutofit fontScale="100000" lnSpcReduction="0"/>
+          </a:bodyPr>
+          <a:lstStyle>
+            <a:lvl1pPr defTabSz="762000">
+              <a:spcBef>
+                <a:spcPts val="400"/>
+              </a:spcBef>
+              <a:defRPr sz="1800"/>
+            </a:lvl1pPr>
+          </a:lstStyle>
+          <a:p>
+            <a:pPr/>
+            <a:r>
+              <a:t>Sum all values in the number of products column - 4,040</a:t>
+            </a:r>
+          </a:p>
+        </p:txBody>
+      </p:sp>
+      <p:sp>
+        <p:nvSpPr>
+          <p:cNvPr id="330" name="How many order lines?"/>
+          <p:cNvSpPr txBox="1"/>
+          <p:nvPr/>
+        </p:nvSpPr>
+        <p:spPr>
+          <a:xfrm>
+            <a:off x="378423" y="3772395"/>
+            <a:ext cx="8641153" cy="691860"/>
+          </a:xfrm>
+          <a:prstGeom prst="rect">
+            <a:avLst/>
+          </a:prstGeom>
+          <a:ln w="12700">
+            <a:miter lim="400000"/>
+          </a:ln>
+          <a:extLst>
+            <a:ext uri="{C572A759-6A51-4108-AA02-DFA0A04FC94B}">
+              <ma14:wrappingTextBoxFlag xmlns:ma14="http://schemas.microsoft.com/office/mac/drawingml/2011/main" val="1"/>
+            </a:ext>
+          </a:extLst>
+        </p:spPr>
+        <p:txBody>
+          <a:bodyPr lIns="45719" rIns="45719">
+            <a:normAutofit fontScale="100000" lnSpcReduction="0"/>
+          </a:bodyPr>
+          <a:lstStyle>
+            <a:lvl1pPr marL="180473" indent="-180473" defTabSz="762000">
+              <a:spcBef>
+                <a:spcPts val="400"/>
+              </a:spcBef>
+              <a:buSzPct val="100000"/>
+              <a:buChar char="•"/>
+              <a:defRPr sz="1800"/>
+            </a:lvl1pPr>
+          </a:lstStyle>
+          <a:p>
+            <a:pPr/>
+            <a:r>
+              <a:t>How many order lines? </a:t>
+            </a:r>
+          </a:p>
+        </p:txBody>
+      </p:sp>
+      <p:sp>
+        <p:nvSpPr>
+          <p:cNvPr id="331" name="Sum of the product of the first two columns - 286,017"/>
+          <p:cNvSpPr txBox="1"/>
+          <p:nvPr/>
+        </p:nvSpPr>
+        <p:spPr>
+          <a:xfrm>
+            <a:off x="378423" y="4089895"/>
+            <a:ext cx="8641153" cy="453539"/>
+          </a:xfrm>
+          <a:prstGeom prst="rect">
+            <a:avLst/>
+          </a:prstGeom>
+          <a:ln w="12700">
+            <a:miter lim="400000"/>
+          </a:ln>
+          <a:extLst>
+            <a:ext uri="{C572A759-6A51-4108-AA02-DFA0A04FC94B}">
+              <ma14:wrappingTextBoxFlag xmlns:ma14="http://schemas.microsoft.com/office/mac/drawingml/2011/main" val="1"/>
+            </a:ext>
+          </a:extLst>
+        </p:spPr>
+        <p:txBody>
+          <a:bodyPr lIns="45719" rIns="45719">
+            <a:normAutofit fontScale="100000" lnSpcReduction="0"/>
+          </a:bodyPr>
+          <a:lstStyle>
+            <a:lvl1pPr defTabSz="762000">
+              <a:spcBef>
+                <a:spcPts val="400"/>
+              </a:spcBef>
+              <a:defRPr sz="1800"/>
+            </a:lvl1pPr>
+          </a:lstStyle>
+          <a:p>
+            <a:pPr/>
+            <a:r>
+              <a:t>Sum of the product of the first two columns - 286,017</a:t>
+            </a:r>
+          </a:p>
+        </p:txBody>
+      </p:sp>
+      <p:sp>
+        <p:nvSpPr>
+          <p:cNvPr id="332" name="Hence, average number of order lines per product = 70.8…"/>
+          <p:cNvSpPr txBox="1"/>
+          <p:nvPr/>
+        </p:nvSpPr>
+        <p:spPr>
+          <a:xfrm>
+            <a:off x="378423" y="4752546"/>
+            <a:ext cx="8641153" cy="1011810"/>
+          </a:xfrm>
+          <a:prstGeom prst="rect">
+            <a:avLst/>
+          </a:prstGeom>
+          <a:ln w="12700">
+            <a:miter lim="400000"/>
+          </a:ln>
+          <a:extLst>
+            <a:ext uri="{C572A759-6A51-4108-AA02-DFA0A04FC94B}">
+              <ma14:wrappingTextBoxFlag xmlns:ma14="http://schemas.microsoft.com/office/mac/drawingml/2011/main" val="1"/>
+            </a:ext>
+          </a:extLst>
+        </p:spPr>
+        <p:txBody>
+          <a:bodyPr lIns="45719" rIns="45719">
+            <a:normAutofit fontScale="100000" lnSpcReduction="0"/>
+          </a:bodyPr>
+          <a:lstStyle/>
+          <a:p>
+            <a:pPr marL="180473" indent="-180473" defTabSz="762000">
+              <a:spcBef>
+                <a:spcPts val="400"/>
+              </a:spcBef>
+              <a:buSzPct val="100000"/>
+              <a:buChar char="•"/>
+              <a:defRPr sz="1800"/>
+            </a:pPr>
+            <a:r>
+              <a:t>Hence, average number of order lines per product = 70.8</a:t>
+            </a:r>
+          </a:p>
+          <a:p>
+            <a:pPr defTabSz="762000">
+              <a:spcBef>
+                <a:spcPts val="400"/>
+              </a:spcBef>
+              <a:defRPr sz="1800"/>
+            </a:pPr>
+            <a:r>
+              <a:t>i.e, a given product occurs in 70.8 order lines, on average</a:t>
+            </a:r>
+          </a:p>
+        </p:txBody>
+      </p:sp>
+    </p:spTree>
+  </p:cSld>
+  <p:clrMapOvr>
+    <a:masterClrMapping/>
+  </p:clrMapOvr>
+  <p:transition xmlns:p14="http://schemas.microsoft.com/office/powerpoint/2010/main" spd="med" advClick="1"/>
+  <p:timing>
+    <p:tnLst>
+      <p:par>
+        <p:cTn id="1" nodeType="tmRoot" restart="never" dur="indefinite" fill="hold">
+          <p:childTnLst>
+            <p:seq concurrent="1" prevAc="none" nextAc="seek">
+              <p:cTn id="2" nodeType="mainSeq" dur="indefinite" fill="hold">
+                <p:childTnLst>
+                  <p:par>
+                    <p:cTn id="3" fill="hold">
+                      <p:stCondLst>
+                        <p:cond delay="indefinite"/>
+                      </p:stCondLst>
+                      <p:childTnLst>
+                        <p:par>
+                          <p:cTn id="4" fill="hold">
+                            <p:stCondLst>
+                              <p:cond delay="0"/>
+                            </p:stCondLst>
+                            <p:childTnLst>
+                              <p:par>
+                                <p:cTn id="5" presetClass="entr" nodeType="clickEffect" presetSubtype="0" presetID="1" grpId="1" fill="hold">
+                                  <p:stCondLst>
+                                    <p:cond delay="0"/>
+                                  </p:stCondLst>
+                                  <p:iterate type="el" backwards="0">
+                                    <p:tmAbs val="0"/>
+                                  </p:iterate>
+                                  <p:childTnLst>
+                                    <p:set>
+                                      <p:cBhvr>
+                                        <p:cTn id="6" fill="hold"/>
+                                        <p:tgtEl>
+                                          <p:spTgt spid="324"/>
+                                        </p:tgtEl>
+                                        <p:attrNameLst>
+                                          <p:attrName>style.visibility</p:attrName>
+                                        </p:attrNameLst>
+                                      </p:cBhvr>
+                                      <p:to>
+                                        <p:strVal val="visible"/>
+                                      </p:to>
+                                    </p:set>
+                                  </p:childTnLst>
+                                </p:cTn>
+                              </p:par>
+                            </p:childTnLst>
+                          </p:cTn>
+                        </p:par>
+                      </p:childTnLst>
+                    </p:cTn>
+                  </p:par>
+                  <p:par>
+                    <p:cTn id="7" fill="hold">
+                      <p:stCondLst>
+                        <p:cond delay="indefinite"/>
+                      </p:stCondLst>
+                      <p:childTnLst>
+                        <p:par>
+                          <p:cTn id="8" fill="hold">
+                            <p:stCondLst>
+                              <p:cond delay="0"/>
+                            </p:stCondLst>
+                            <p:childTnLst>
+                              <p:par>
+                                <p:cTn id="9" presetClass="entr" nodeType="clickEffect" presetSubtype="0" presetID="1" grpId="2" fill="hold">
+                                  <p:stCondLst>
+                                    <p:cond delay="0"/>
+                                  </p:stCondLst>
+                                  <p:iterate type="el" backwards="0">
+                                    <p:tmAbs val="0"/>
+                                  </p:iterate>
+                                  <p:childTnLst>
+                                    <p:set>
+                                      <p:cBhvr>
+                                        <p:cTn id="10" fill="hold"/>
+                                        <p:tgtEl>
+                                          <p:spTgt spid="325"/>
+                                        </p:tgtEl>
+                                        <p:attrNameLst>
+                                          <p:attrName>style.visibility</p:attrName>
+                                        </p:attrNameLst>
+                                      </p:cBhvr>
+                                      <p:to>
+                                        <p:strVal val="visible"/>
+                                      </p:to>
+                                    </p:set>
+                                  </p:childTnLst>
+                                </p:cTn>
+                              </p:par>
+                            </p:childTnLst>
+                          </p:cTn>
+                        </p:par>
+                      </p:childTnLst>
+                    </p:cTn>
+                  </p:par>
+                  <p:par>
+                    <p:cTn id="11" fill="hold">
+                      <p:stCondLst>
+                        <p:cond delay="indefinite"/>
+                      </p:stCondLst>
+                      <p:childTnLst>
+                        <p:par>
+                          <p:cTn id="12" fill="hold">
+                            <p:stCondLst>
+                              <p:cond delay="0"/>
+                            </p:stCondLst>
+                            <p:childTnLst>
+                              <p:par>
+                                <p:cTn id="13" presetClass="entr" nodeType="clickEffect" presetSubtype="0" presetID="1" grpId="3" fill="hold">
+                                  <p:stCondLst>
+                                    <p:cond delay="0"/>
+                                  </p:stCondLst>
+                                  <p:iterate type="el" backwards="0">
+                                    <p:tmAbs val="0"/>
+                                  </p:iterate>
+                                  <p:childTnLst>
+                                    <p:set>
+                                      <p:cBhvr>
+                                        <p:cTn id="14" fill="hold"/>
+                                        <p:tgtEl>
+                                          <p:spTgt spid="326"/>
+                                        </p:tgtEl>
+                                        <p:attrNameLst>
+                                          <p:attrName>style.visibility</p:attrName>
+                                        </p:attrNameLst>
+                                      </p:cBhvr>
+                                      <p:to>
+                                        <p:strVal val="visible"/>
+                                      </p:to>
+                                    </p:set>
+                                  </p:childTnLst>
+                                </p:cTn>
+                              </p:par>
+                            </p:childTnLst>
+                          </p:cTn>
+                        </p:par>
+                      </p:childTnLst>
+                    </p:cTn>
+                  </p:par>
+                  <p:par>
+                    <p:cTn id="15" fill="hold">
+                      <p:stCondLst>
+                        <p:cond delay="indefinite"/>
+                      </p:stCondLst>
+                      <p:childTnLst>
+                        <p:par>
+                          <p:cTn id="16" fill="hold">
+                            <p:stCondLst>
+                              <p:cond delay="0"/>
+                            </p:stCondLst>
+                            <p:childTnLst>
+                              <p:par>
+                                <p:cTn id="17" presetClass="entr" nodeType="clickEffect" presetSubtype="0" presetID="1" grpId="4" fill="hold">
+                                  <p:stCondLst>
+                                    <p:cond delay="0"/>
+                                  </p:stCondLst>
+                                  <p:iterate type="el" backwards="0">
+                                    <p:tmAbs val="0"/>
+                                  </p:iterate>
+                                  <p:childTnLst>
+                                    <p:set>
+                                      <p:cBhvr>
+                                        <p:cTn id="18" fill="hold"/>
+                                        <p:tgtEl>
+                                          <p:spTgt spid="327"/>
+                                        </p:tgtEl>
+                                        <p:attrNameLst>
+                                          <p:attrName>style.visibility</p:attrName>
+                                        </p:attrNameLst>
+                                      </p:cBhvr>
+                                      <p:to>
+                                        <p:strVal val="visible"/>
+                                      </p:to>
+                                    </p:set>
+                                  </p:childTnLst>
+                                </p:cTn>
+                              </p:par>
+                            </p:childTnLst>
+                          </p:cTn>
+                        </p:par>
+                      </p:childTnLst>
+                    </p:cTn>
+                  </p:par>
+                  <p:par>
+                    <p:cTn id="19" fill="hold">
+                      <p:stCondLst>
+                        <p:cond delay="indefinite"/>
+                      </p:stCondLst>
+                      <p:childTnLst>
+                        <p:par>
+                          <p:cTn id="20" fill="hold">
+                            <p:stCondLst>
+                              <p:cond delay="0"/>
+                            </p:stCondLst>
+                            <p:childTnLst>
+                              <p:par>
+                                <p:cTn id="21" presetClass="entr" nodeType="clickEffect" presetSubtype="0" presetID="1" grpId="5" fill="hold">
+                                  <p:stCondLst>
+                                    <p:cond delay="0"/>
+                                  </p:stCondLst>
+                                  <p:iterate type="el" backwards="0">
+                                    <p:tmAbs val="0"/>
+                                  </p:iterate>
+                                  <p:childTnLst>
+                                    <p:set>
+                                      <p:cBhvr>
+                                        <p:cTn id="22" fill="hold"/>
+                                        <p:tgtEl>
+                                          <p:spTgt spid="328"/>
+                                        </p:tgtEl>
+                                        <p:attrNameLst>
+                                          <p:attrName>style.visibility</p:attrName>
+                                        </p:attrNameLst>
+                                      </p:cBhvr>
+                                      <p:to>
+                                        <p:strVal val="visible"/>
+                                      </p:to>
+                                    </p:set>
+                                  </p:childTnLst>
+                                </p:cTn>
+                              </p:par>
+                            </p:childTnLst>
+                          </p:cTn>
+                        </p:par>
+                      </p:childTnLst>
+                    </p:cTn>
+                  </p:par>
+                  <p:par>
+                    <p:cTn id="23" fill="hold">
+                      <p:stCondLst>
+                        <p:cond delay="indefinite"/>
+                      </p:stCondLst>
+                      <p:childTnLst>
+                        <p:par>
+                          <p:cTn id="24" fill="hold">
+                            <p:stCondLst>
+                              <p:cond delay="0"/>
+                            </p:stCondLst>
+                            <p:childTnLst>
+                              <p:par>
+                                <p:cTn id="25" presetClass="entr" nodeType="clickEffect" presetSubtype="0" presetID="1" grpId="6" fill="hold">
+                                  <p:stCondLst>
+                                    <p:cond delay="0"/>
+                                  </p:stCondLst>
+                                  <p:iterate type="el" backwards="0">
+                                    <p:tmAbs val="0"/>
+                                  </p:iterate>
+                                  <p:childTnLst>
+                                    <p:set>
+                                      <p:cBhvr>
+                                        <p:cTn id="26" fill="hold"/>
+                                        <p:tgtEl>
+                                          <p:spTgt spid="329"/>
+                                        </p:tgtEl>
+                                        <p:attrNameLst>
+                                          <p:attrName>style.visibility</p:attrName>
+                                        </p:attrNameLst>
+                                      </p:cBhvr>
+                                      <p:to>
+                                        <p:strVal val="visible"/>
+                                      </p:to>
+                                    </p:set>
+                                  </p:childTnLst>
+                                </p:cTn>
+                              </p:par>
+                            </p:childTnLst>
+                          </p:cTn>
+                        </p:par>
+                      </p:childTnLst>
+                    </p:cTn>
+                  </p:par>
+                  <p:par>
+                    <p:cTn id="27" fill="hold">
+                      <p:stCondLst>
+                        <p:cond delay="indefinite"/>
+                      </p:stCondLst>
+                      <p:childTnLst>
+                        <p:par>
+                          <p:cTn id="28" fill="hold">
+                            <p:stCondLst>
+                              <p:cond delay="0"/>
+                            </p:stCondLst>
+                            <p:childTnLst>
+                              <p:par>
+                                <p:cTn id="29" presetClass="entr" nodeType="clickEffect" presetSubtype="0" presetID="1" grpId="7" fill="hold">
+                                  <p:stCondLst>
+                                    <p:cond delay="0"/>
+                                  </p:stCondLst>
+                                  <p:iterate type="el" backwards="0">
+                                    <p:tmAbs val="0"/>
+                                  </p:iterate>
+                                  <p:childTnLst>
+                                    <p:set>
+                                      <p:cBhvr>
+                                        <p:cTn id="30" fill="hold"/>
+                                        <p:tgtEl>
+                                          <p:spTgt spid="330"/>
+                                        </p:tgtEl>
+                                        <p:attrNameLst>
+                                          <p:attrName>style.visibility</p:attrName>
+                                        </p:attrNameLst>
+                                      </p:cBhvr>
+                                      <p:to>
+                                        <p:strVal val="visible"/>
+                                      </p:to>
+                                    </p:set>
+                                  </p:childTnLst>
+                                </p:cTn>
+                              </p:par>
+                            </p:childTnLst>
+                          </p:cTn>
+                        </p:par>
+                      </p:childTnLst>
+                    </p:cTn>
+                  </p:par>
+                  <p:par>
+                    <p:cTn id="31" fill="hold">
+                      <p:stCondLst>
+                        <p:cond delay="indefinite"/>
+                      </p:stCondLst>
+                      <p:childTnLst>
+                        <p:par>
+                          <p:cTn id="32" fill="hold">
+                            <p:stCondLst>
+                              <p:cond delay="0"/>
+                            </p:stCondLst>
+                            <p:childTnLst>
+                              <p:par>
+                                <p:cTn id="33" presetClass="entr" nodeType="clickEffect" presetSubtype="0" presetID="1" grpId="8" fill="hold">
+                                  <p:stCondLst>
+                                    <p:cond delay="0"/>
+                                  </p:stCondLst>
+                                  <p:iterate type="el" backwards="0">
+                                    <p:tmAbs val="0"/>
+                                  </p:iterate>
+                                  <p:childTnLst>
+                                    <p:set>
+                                      <p:cBhvr>
+                                        <p:cTn id="34" fill="hold"/>
+                                        <p:tgtEl>
+                                          <p:spTgt spid="331"/>
+                                        </p:tgtEl>
+                                        <p:attrNameLst>
+                                          <p:attrName>style.visibility</p:attrName>
+                                        </p:attrNameLst>
+                                      </p:cBhvr>
+                                      <p:to>
+                                        <p:strVal val="visible"/>
+                                      </p:to>
+                                    </p:set>
+                                  </p:childTnLst>
+                                </p:cTn>
+                              </p:par>
+                            </p:childTnLst>
+                          </p:cTn>
+                        </p:par>
+                      </p:childTnLst>
+                    </p:cTn>
+                  </p:par>
+                  <p:par>
+                    <p:cTn id="35" fill="hold">
+                      <p:stCondLst>
+                        <p:cond delay="indefinite"/>
+                      </p:stCondLst>
+                      <p:childTnLst>
+                        <p:par>
+                          <p:cTn id="36" fill="hold">
+                            <p:stCondLst>
+                              <p:cond delay="0"/>
+                            </p:stCondLst>
+                            <p:childTnLst>
+                              <p:par>
+                                <p:cTn id="37" presetClass="entr" nodeType="clickEffect" presetSubtype="0" presetID="1" grpId="9" fill="hold">
+                                  <p:stCondLst>
+                                    <p:cond delay="0"/>
+                                  </p:stCondLst>
+                                  <p:iterate type="el" backwards="0">
+                                    <p:tmAbs val="0"/>
+                                  </p:iterate>
+                                  <p:childTnLst>
+                                    <p:set>
+                                      <p:cBhvr>
+                                        <p:cTn id="38" fill="hold"/>
+                                        <p:tgtEl>
+                                          <p:spTgt spid="332"/>
+                                        </p:tgtEl>
+                                        <p:attrNameLst>
+                                          <p:attrName>style.visibility</p:attrName>
+                                        </p:attrNameLst>
+                                      </p:cBhvr>
+                                      <p:to>
+                                        <p:strVal val="visible"/>
+                                      </p:to>
+                                    </p:set>
+                                  </p:childTnLst>
+                                </p:cTn>
+                              </p:par>
+                            </p:childTnLst>
+                          </p:cTn>
+                        </p:par>
+                      </p:childTnLst>
+                    </p:cTn>
+                  </p:par>
+                </p:childTnLst>
+              </p:cTn>
+              <p:prevCondLst>
+                <p:cond evt="onPrev">
+                  <p:tgtEl>
+                    <p:sldTgt/>
+                  </p:tgtEl>
+                </p:cond>
+              </p:prevCondLst>
+              <p:nextCondLst>
+                <p:cond evt="onNext">
+                  <p:tgtEl>
+                    <p:sldTgt/>
+                  </p:tgtEl>
+                </p:cond>
+              </p:nextCondLst>
+            </p:seq>
+          </p:childTnLst>
+        </p:cTn>
+      </p:par>
+    </p:tnLst>
+    <p:bldLst>
+      <p:bldP build="whole" bldLvl="1" animBg="1" rev="0" advAuto="0" spid="324" grpId="1"/>
+      <p:bldP build="whole" bldLvl="1" animBg="1" rev="0" advAuto="0" spid="329" grpId="6"/>
+      <p:bldP build="whole" bldLvl="1" animBg="1" rev="0" advAuto="0" spid="327" grpId="4"/>
+      <p:bldP build="whole" bldLvl="1" animBg="1" rev="0" advAuto="0" spid="325" grpId="2"/>
+      <p:bldP build="whole" bldLvl="1" animBg="1" rev="0" advAuto="0" spid="330" grpId="7"/>
+      <p:bldP build="whole" bldLvl="1" animBg="1" rev="0" advAuto="0" spid="331" grpId="8"/>
+      <p:bldP build="whole" bldLvl="1" animBg="1" rev="0" advAuto="0" spid="332" grpId="9"/>
+      <p:bldP build="whole" bldLvl="1" animBg="1" rev="0" advAuto="0" spid="326" grpId="3"/>
+      <p:bldP build="whole" bldLvl="1" animBg="1" rev="0" advAuto="0" spid="328" grpId="5"/>
+    </p:bldLst>
+  </p:timing>
+</p:sld>
+</file>
+
+<file path=ppt/slides/slide15.xml><?xml version="1.0" encoding="utf-8"?>
+<p:sld xmlns:a="http://schemas.openxmlformats.org/drawingml/2006/main" xmlns:r="http://schemas.openxmlformats.org/officeDocument/2006/relationships" xmlns:p="http://schemas.openxmlformats.org/presentationml/2006/main" showMasterSp="1" showMasterPhAnim="1">
+  <p:cSld>
+    <p:spTree>
+      <p:nvGrpSpPr>
+        <p:cNvPr id="1" name=""/>
+        <p:cNvGrpSpPr/>
+        <p:nvPr/>
+      </p:nvGrpSpPr>
+      <p:grpSpPr>
+        <a:xfrm>
+          <a:off x="0" y="0"/>
+          <a:ext cx="0" cy="0"/>
+          <a:chOff x="0" y="0"/>
+          <a:chExt cx="0" cy="0"/>
+        </a:xfrm>
+      </p:grpSpPr>
+      <p:sp>
+        <p:nvSpPr>
+          <p:cNvPr id="334" name="Textfeld 1"/>
+          <p:cNvSpPr txBox="1"/>
+          <p:nvPr>
+            <p:ph type="sldNum" sz="quarter" idx="2"/>
+          </p:nvPr>
+        </p:nvSpPr>
+        <p:spPr>
+          <a:prstGeom prst="rect">
+            <a:avLst/>
+          </a:prstGeom>
+          <a:extLst>
+            <a:ext uri="{C572A759-6A51-4108-AA02-DFA0A04FC94B}">
+              <ma14:wrappingTextBoxFlag xmlns:ma14="http://schemas.microsoft.com/office/mac/drawingml/2011/main" val="1"/>
+            </a:ext>
+          </a:extLst>
+        </p:spPr>
+        <p:txBody>
+          <a:bodyPr/>
+          <a:lstStyle/>
+          <a:p>
+            <a:pPr/>
+            <a:fld id="{86CB4B4D-7CA3-9044-876B-883B54F8677D}" type="slidenum"/>
+          </a:p>
+        </p:txBody>
+      </p:sp>
+      <p:sp>
+        <p:nvSpPr>
+          <p:cNvPr id="335" name="Titel 1"/>
+          <p:cNvSpPr txBox="1"/>
+          <p:nvPr>
+            <p:ph type="title"/>
+          </p:nvPr>
+        </p:nvSpPr>
+        <p:spPr>
+          <a:prstGeom prst="rect">
+            <a:avLst/>
+          </a:prstGeom>
+        </p:spPr>
+        <p:txBody>
+          <a:bodyPr/>
+          <a:lstStyle/>
+          <a:p>
+            <a:pPr/>
+            <a:r>
+              <a:t>3.2 Cumulative Histograms of Counts</a:t>
+            </a:r>
+          </a:p>
+        </p:txBody>
+      </p:sp>
+      <p:sp>
+        <p:nvSpPr>
+          <p:cNvPr id="336" name="Ex: What proportion of products account for half of all order lines?…"/>
+          <p:cNvSpPr txBox="1"/>
+          <p:nvPr>
+            <p:ph type="body" idx="1"/>
+          </p:nvPr>
+        </p:nvSpPr>
+        <p:spPr>
+          <a:prstGeom prst="rect">
+            <a:avLst/>
+          </a:prstGeom>
+        </p:spPr>
+        <p:txBody>
+          <a:bodyPr/>
+          <a:lstStyle/>
+          <a:p>
+            <a:pPr defTabSz="472440">
+              <a:spcBef>
+                <a:spcPts val="200"/>
+              </a:spcBef>
+              <a:defRPr sz="1116"/>
+            </a:pPr>
+            <a:r>
+              <a:t>Ex: What proportion of products account for half of all order lines?</a:t>
+            </a:r>
+          </a:p>
+          <a:p>
+            <a:pPr defTabSz="472440">
+              <a:spcBef>
+                <a:spcPts val="200"/>
+              </a:spcBef>
+              <a:defRPr i="1" sz="1240"/>
+            </a:pPr>
+            <a:r>
+              <a:t>WITH counts AS (</a:t>
+            </a:r>
+          </a:p>
+          <a:p>
+            <a:pPr defTabSz="472440">
+              <a:spcBef>
+                <a:spcPts val="200"/>
+              </a:spcBef>
+              <a:defRPr i="1" sz="1240"/>
+            </a:pPr>
+            <a:r>
+              <a:t>				-- (2) Group by number of order lines and find the product count</a:t>
+            </a:r>
+          </a:p>
+          <a:p>
+            <a:pPr defTabSz="472440">
+              <a:spcBef>
+                <a:spcPts val="200"/>
+              </a:spcBef>
+              <a:defRPr i="1" sz="1240"/>
+            </a:pPr>
+            <a:r>
+              <a:t>				SELECT numol, COUNT(*) as numprods, </a:t>
+            </a:r>
+          </a:p>
+          <a:p>
+            <a:pPr defTabSz="472440">
+              <a:spcBef>
+                <a:spcPts val="200"/>
+              </a:spcBef>
+              <a:defRPr i="1" sz="1240"/>
+            </a:pPr>
+            <a:r>
+              <a:t>					-- (4) Find cumulative number of order lines. </a:t>
+            </a:r>
+          </a:p>
+          <a:p>
+            <a:pPr defTabSz="472440">
+              <a:spcBef>
+                <a:spcPts val="200"/>
+              </a:spcBef>
+              <a:defRPr i="1" sz="1240"/>
+            </a:pPr>
+            <a:r>
+              <a:t>					SUM(COUNT(*) * numol) OVER (ORDER BY numol) AS cumulative_numol, </a:t>
+            </a:r>
+          </a:p>
+          <a:p>
+            <a:pPr defTabSz="472440">
+              <a:spcBef>
+                <a:spcPts val="200"/>
+              </a:spcBef>
+              <a:defRPr i="1" sz="1240"/>
+            </a:pPr>
+            <a:r>
+              <a:t>					-- (3) Find cumulative number of products.</a:t>
+            </a:r>
+          </a:p>
+          <a:p>
+            <a:pPr defTabSz="472440">
+              <a:spcBef>
+                <a:spcPts val="200"/>
+              </a:spcBef>
+              <a:defRPr i="1" sz="1240"/>
+            </a:pPr>
+            <a:r>
+              <a:t>					SUM(COUNT(*)) OVER (ORDER BY numol) AS cumulative_numprods</a:t>
+            </a:r>
+          </a:p>
+          <a:p>
+            <a:pPr defTabSz="472440">
+              <a:spcBef>
+                <a:spcPts val="200"/>
+              </a:spcBef>
+              <a:defRPr i="1" sz="1240"/>
+            </a:pPr>
+            <a:r>
+              <a:t>				FROM (</a:t>
+            </a:r>
+          </a:p>
+          <a:p>
+            <a:pPr defTabSz="472440">
+              <a:spcBef>
+                <a:spcPts val="200"/>
+              </a:spcBef>
+              <a:defRPr i="1" sz="1240"/>
+            </a:pPr>
+            <a:r>
+              <a:t>					-- (1) Find the number of order lines where each product appears</a:t>
+            </a:r>
+          </a:p>
+          <a:p>
+            <a:pPr defTabSz="472440">
+              <a:spcBef>
+                <a:spcPts val="200"/>
+              </a:spcBef>
+              <a:defRPr i="1" sz="1240"/>
+            </a:pPr>
+            <a:r>
+              <a:t>					SELECT ProductId, COUNT(*) as numol</a:t>
+            </a:r>
+          </a:p>
+          <a:p>
+            <a:pPr defTabSz="472440">
+              <a:spcBef>
+                <a:spcPts val="200"/>
+              </a:spcBef>
+              <a:defRPr i="1" sz="1240"/>
+            </a:pPr>
+            <a:r>
+              <a:t>					FROM OrderLines</a:t>
+            </a:r>
+          </a:p>
+          <a:p>
+            <a:pPr defTabSz="472440">
+              <a:spcBef>
+                <a:spcPts val="200"/>
+              </a:spcBef>
+              <a:defRPr i="1" sz="1240"/>
+            </a:pPr>
+            <a:r>
+              <a:t>					GROUP BY ProductId</a:t>
+            </a:r>
+          </a:p>
+          <a:p>
+            <a:pPr defTabSz="472440">
+              <a:spcBef>
+                <a:spcPts val="200"/>
+              </a:spcBef>
+              <a:defRPr i="1" sz="1240"/>
+            </a:pPr>
+            <a:r>
+              <a:t>				) op</a:t>
+            </a:r>
+          </a:p>
+          <a:p>
+            <a:pPr defTabSz="472440">
+              <a:spcBef>
+                <a:spcPts val="200"/>
+              </a:spcBef>
+              <a:defRPr i="1" sz="1240"/>
+            </a:pPr>
+            <a:r>
+              <a:t>	            GROUP BY numol</a:t>
+            </a:r>
+          </a:p>
+          <a:p>
+            <a:pPr defTabSz="472440">
+              <a:spcBef>
+                <a:spcPts val="200"/>
+              </a:spcBef>
+              <a:defRPr i="1" sz="1240"/>
+            </a:pPr>
+            <a:r>
+              <a:t>				ORDER BY numol</a:t>
+            </a:r>
+          </a:p>
+          <a:p>
+            <a:pPr defTabSz="472440">
+              <a:spcBef>
+                <a:spcPts val="200"/>
+              </a:spcBef>
+              <a:defRPr i="1" sz="1240"/>
+            </a:pPr>
+            <a:r>
+              <a:t>	            )</a:t>
+            </a:r>
+          </a:p>
+          <a:p>
+            <a:pPr defTabSz="472440">
+              <a:spcBef>
+                <a:spcPts val="200"/>
+              </a:spcBef>
+              <a:defRPr i="1" sz="1240"/>
+            </a:pPr>
+            <a:r>
+              <a:t>SELECT numol, numprods, cumulative_numol, cumulative_numprods, </a:t>
+            </a:r>
+          </a:p>
+          <a:p>
+            <a:pPr defTabSz="472440">
+              <a:spcBef>
+                <a:spcPts val="200"/>
+              </a:spcBef>
+              <a:defRPr i="1" sz="1240"/>
+            </a:pPr>
+            <a:r>
+              <a:t>		-- (5) Convert the cumulative sums to percentage</a:t>
+            </a:r>
+          </a:p>
+          <a:p>
+            <a:pPr defTabSz="472440">
+              <a:spcBef>
+                <a:spcPts val="200"/>
+              </a:spcBef>
+              <a:defRPr i="1" sz="1240"/>
+            </a:pPr>
+            <a:r>
+              <a:t>		(cumulative_numol/286017 * 100)::decimal(5,1) AS percentage_cumulative_numol, </a:t>
+            </a:r>
+          </a:p>
+          <a:p>
+            <a:pPr defTabSz="472440">
+              <a:spcBef>
+                <a:spcPts val="200"/>
+              </a:spcBef>
+              <a:defRPr i="1" sz="1240"/>
+            </a:pPr>
+            <a:r>
+              <a:t>		(cumulative_numprods/4040 * 100)::decimal(5,1) AS percentage_cumulative_numprods</a:t>
+            </a:r>
+          </a:p>
+          <a:p>
+            <a:pPr defTabSz="472440">
+              <a:spcBef>
+                <a:spcPts val="200"/>
+              </a:spcBef>
+              <a:defRPr i="1" sz="1240"/>
+            </a:pPr>
+            <a:r>
+              <a:t>FROM counts</a:t>
+            </a:r>
+          </a:p>
+        </p:txBody>
+      </p:sp>
+    </p:spTree>
+  </p:cSld>
+  <p:clrMapOvr>
+    <a:masterClrMapping/>
+  </p:clrMapOvr>
+  <p:transition xmlns:p14="http://schemas.microsoft.com/office/powerpoint/2010/main" spd="med" advClick="1"/>
+</p:sld>
+</file>
+
+<file path=ppt/slides/slide16.xml><?xml version="1.0" encoding="utf-8"?>
+<p:sld xmlns:a="http://schemas.openxmlformats.org/drawingml/2006/main" xmlns:r="http://schemas.openxmlformats.org/officeDocument/2006/relationships" xmlns:p="http://schemas.openxmlformats.org/presentationml/2006/main" showMasterSp="1" showMasterPhAnim="1">
+  <p:cSld>
+    <p:spTree>
+      <p:nvGrpSpPr>
+        <p:cNvPr id="1" name=""/>
+        <p:cNvGrpSpPr/>
+        <p:nvPr/>
+      </p:nvGrpSpPr>
+      <p:grpSpPr>
+        <a:xfrm>
+          <a:off x="0" y="0"/>
+          <a:ext cx="0" cy="0"/>
+          <a:chOff x="0" y="0"/>
+          <a:chExt cx="0" cy="0"/>
+        </a:xfrm>
+      </p:grpSpPr>
+      <p:sp>
+        <p:nvSpPr>
+          <p:cNvPr id="338" name="Textfeld 1"/>
+          <p:cNvSpPr txBox="1"/>
+          <p:nvPr>
+            <p:ph type="sldNum" sz="quarter" idx="2"/>
+          </p:nvPr>
+        </p:nvSpPr>
+        <p:spPr>
+          <a:prstGeom prst="rect">
+            <a:avLst/>
+          </a:prstGeom>
+          <a:extLst>
+            <a:ext uri="{C572A759-6A51-4108-AA02-DFA0A04FC94B}">
+              <ma14:wrappingTextBoxFlag xmlns:ma14="http://schemas.microsoft.com/office/mac/drawingml/2011/main" val="1"/>
+            </a:ext>
+          </a:extLst>
+        </p:spPr>
+        <p:txBody>
+          <a:bodyPr/>
+          <a:lstStyle/>
+          <a:p>
+            <a:pPr/>
+            <a:fld id="{86CB4B4D-7CA3-9044-876B-883B54F8677D}" type="slidenum"/>
+          </a:p>
+        </p:txBody>
+      </p:sp>
+      <p:sp>
+        <p:nvSpPr>
+          <p:cNvPr id="339" name="Titel 1"/>
+          <p:cNvSpPr txBox="1"/>
+          <p:nvPr>
+            <p:ph type="title"/>
+          </p:nvPr>
+        </p:nvSpPr>
+        <p:spPr>
+          <a:prstGeom prst="rect">
+            <a:avLst/>
+          </a:prstGeom>
+        </p:spPr>
+        <p:txBody>
+          <a:bodyPr/>
+          <a:lstStyle/>
+          <a:p>
+            <a:pPr/>
+            <a:r>
+              <a:t>Observations</a:t>
+            </a:r>
+          </a:p>
+        </p:txBody>
+      </p:sp>
+      <p:sp>
+        <p:nvSpPr>
+          <p:cNvPr id="340" name="Products with six or fewer order lines account for 65.0% of all products. However, they appear in only 2.2% of order lines.…"/>
+          <p:cNvSpPr txBox="1"/>
+          <p:nvPr>
+            <p:ph type="body" idx="1"/>
+          </p:nvPr>
+        </p:nvSpPr>
+        <p:spPr>
+          <a:prstGeom prst="rect">
+            <a:avLst/>
+          </a:prstGeom>
+        </p:spPr>
+        <p:txBody>
+          <a:bodyPr/>
+          <a:lstStyle/>
+          <a:p>
+            <a:pPr marL="180473" indent="-180473">
+              <a:buSzPct val="100000"/>
+              <a:buChar char="•"/>
+              <a:defRPr sz="1800"/>
+            </a:pPr>
+            <a:r>
+              <a:t>Products with six or fewer order lines account for 65.0% of all products. However, they appear in only 2.2% of order lines.</a:t>
+            </a:r>
+          </a:p>
+          <a:p>
+            <a:pPr>
+              <a:defRPr sz="1800"/>
+            </a:pPr>
+          </a:p>
+          <a:p>
+            <a:pPr marL="180473" indent="-180473">
+              <a:buSzPct val="100000"/>
+              <a:buChar char="•"/>
+              <a:defRPr sz="1800"/>
+            </a:pPr>
+            <a:r>
+              <a:t>Cumulative percentage of orderlines is 50% in row 332 (out of 385), which shows that 98.7% of all products account for half the order lines, so 1.3% accounts for the other half.</a:t>
+            </a:r>
+          </a:p>
+        </p:txBody>
+      </p:sp>
+    </p:spTree>
+  </p:cSld>
+  <p:clrMapOvr>
+    <a:masterClrMapping/>
+  </p:clrMapOvr>
+  <p:transition xmlns:p14="http://schemas.microsoft.com/office/powerpoint/2010/main" spd="med" advClick="1"/>
+</p:sld>
+</file>
+
+<file path=ppt/slides/slide17.xml><?xml version="1.0" encoding="utf-8"?>
+<p:sld xmlns:a="http://schemas.openxmlformats.org/drawingml/2006/main" xmlns:r="http://schemas.openxmlformats.org/officeDocument/2006/relationships" xmlns:p="http://schemas.openxmlformats.org/presentationml/2006/main" showMasterSp="1" showMasterPhAnim="1">
+  <p:cSld>
+    <p:spTree>
+      <p:nvGrpSpPr>
+        <p:cNvPr id="1" name=""/>
+        <p:cNvGrpSpPr/>
+        <p:nvPr/>
+      </p:nvGrpSpPr>
+      <p:grpSpPr>
+        <a:xfrm>
+          <a:off x="0" y="0"/>
+          <a:ext cx="0" cy="0"/>
+          <a:chOff x="0" y="0"/>
+          <a:chExt cx="0" cy="0"/>
+        </a:xfrm>
+      </p:grpSpPr>
+      <p:sp>
+        <p:nvSpPr>
+          <p:cNvPr id="342" name="Textfeld 1"/>
+          <p:cNvSpPr txBox="1"/>
+          <p:nvPr>
+            <p:ph type="sldNum" sz="quarter" idx="2"/>
+          </p:nvPr>
+        </p:nvSpPr>
+        <p:spPr>
+          <a:prstGeom prst="rect">
+            <a:avLst/>
+          </a:prstGeom>
+          <a:extLst>
+            <a:ext uri="{C572A759-6A51-4108-AA02-DFA0A04FC94B}">
+              <ma14:wrappingTextBoxFlag xmlns:ma14="http://schemas.microsoft.com/office/mac/drawingml/2011/main" val="1"/>
+            </a:ext>
+          </a:extLst>
+        </p:spPr>
+        <p:txBody>
+          <a:bodyPr/>
+          <a:lstStyle/>
+          <a:p>
+            <a:pPr/>
+            <a:fld id="{86CB4B4D-7CA3-9044-876B-883B54F8677D}" type="slidenum"/>
+          </a:p>
+        </p:txBody>
+      </p:sp>
+      <p:sp>
+        <p:nvSpPr>
+          <p:cNvPr id="343" name="Titel 1"/>
+          <p:cNvSpPr txBox="1"/>
+          <p:nvPr>
+            <p:ph type="title"/>
+          </p:nvPr>
+        </p:nvSpPr>
+        <p:spPr>
+          <a:prstGeom prst="rect">
+            <a:avLst/>
+          </a:prstGeom>
+        </p:spPr>
+        <p:txBody>
+          <a:bodyPr/>
+          <a:lstStyle/>
+          <a:p>
+            <a:pPr/>
+            <a:r>
+              <a:t>3.3 Histograms (Frequencies) for Numeric Values</a:t>
+            </a:r>
+          </a:p>
+        </p:txBody>
+      </p:sp>
+      <p:sp>
+        <p:nvSpPr>
+          <p:cNvPr id="344" name="Ex: How many different values does totalprice take on?…"/>
+          <p:cNvSpPr txBox="1"/>
+          <p:nvPr>
+            <p:ph type="body" idx="1"/>
+          </p:nvPr>
+        </p:nvSpPr>
+        <p:spPr>
+          <a:prstGeom prst="rect">
+            <a:avLst/>
+          </a:prstGeom>
+        </p:spPr>
+        <p:txBody>
+          <a:bodyPr/>
+          <a:lstStyle/>
+          <a:p>
+            <a:pPr defTabSz="594359">
+              <a:spcBef>
+                <a:spcPts val="300"/>
+              </a:spcBef>
+              <a:defRPr sz="1403"/>
+            </a:pPr>
+            <a:r>
+              <a:t>Ex: How many different values does totalprice take on?</a:t>
+            </a:r>
+          </a:p>
+          <a:p>
+            <a:pPr marL="140769" indent="-140769" defTabSz="594359">
+              <a:spcBef>
+                <a:spcPts val="300"/>
+              </a:spcBef>
+              <a:buSzPct val="100000"/>
+              <a:buChar char="•"/>
+              <a:defRPr sz="1403"/>
+            </a:pPr>
+            <a:r>
+              <a:t>TotalPrice has over 4,000 values</a:t>
+            </a:r>
+          </a:p>
+          <a:p>
+            <a:pPr marL="140769" indent="-140769" defTabSz="594359">
+              <a:spcBef>
+                <a:spcPts val="300"/>
+              </a:spcBef>
+              <a:buSzPct val="100000"/>
+              <a:buChar char="•"/>
+              <a:defRPr sz="1403"/>
+            </a:pPr>
+            <a:r>
+              <a:t>Solution: Group them into ranges</a:t>
+            </a:r>
+          </a:p>
+          <a:p>
+            <a:pPr marL="140769" indent="-140769" defTabSz="594359">
+              <a:spcBef>
+                <a:spcPts val="300"/>
+              </a:spcBef>
+              <a:buSzPct val="100000"/>
+              <a:buChar char="•"/>
+              <a:defRPr sz="1403"/>
+            </a:pPr>
+          </a:p>
+          <a:p>
+            <a:pPr defTabSz="594359">
+              <a:spcBef>
+                <a:spcPts val="300"/>
+              </a:spcBef>
+              <a:defRPr i="1" sz="1560"/>
+            </a:pPr>
+            <a:r>
+              <a:t>SELECT SIGN(numdigits) * POWER(10, numdigits - 1) as lowerbound,</a:t>
+            </a:r>
+          </a:p>
+          <a:p>
+            <a:pPr defTabSz="594359">
+              <a:spcBef>
+                <a:spcPts val="300"/>
+              </a:spcBef>
+              <a:defRPr i="1" sz="1560"/>
+            </a:pPr>
+            <a:r>
+              <a:t>		POWER(10, numdigits) as upperbound, </a:t>
+            </a:r>
+          </a:p>
+          <a:p>
+            <a:pPr defTabSz="594359">
+              <a:spcBef>
+                <a:spcPts val="300"/>
+              </a:spcBef>
+              <a:defRPr i="1" sz="1560"/>
+            </a:pPr>
+            <a:r>
+              <a:t>        COUNT(*) as numorders, </a:t>
+            </a:r>
+          </a:p>
+          <a:p>
+            <a:pPr defTabSz="594359">
+              <a:spcBef>
+                <a:spcPts val="300"/>
+              </a:spcBef>
+              <a:defRPr i="1" sz="1560"/>
+            </a:pPr>
+            <a:r>
+              <a:t>        MIN(TotalPrice) as min_totalprice, </a:t>
+            </a:r>
+          </a:p>
+          <a:p>
+            <a:pPr defTabSz="594359">
+              <a:spcBef>
+                <a:spcPts val="300"/>
+              </a:spcBef>
+              <a:defRPr i="1" sz="1560"/>
+            </a:pPr>
+            <a:r>
+              <a:t>        MAX(TotalPrice) as maxtotalprice</a:t>
+            </a:r>
+          </a:p>
+          <a:p>
+            <a:pPr defTabSz="594359">
+              <a:spcBef>
+                <a:spcPts val="300"/>
+              </a:spcBef>
+              <a:defRPr i="1" sz="1560"/>
+            </a:pPr>
+            <a:r>
+              <a:t>	FROM (SELECT (CASE WHEN TotalPrice::decimal(10,2) &gt;= 1 THEN FLOOR(1 + LOG(TotalPrice::decimal(10,2)) / LOG(10))</a:t>
+            </a:r>
+          </a:p>
+          <a:p>
+            <a:pPr defTabSz="594359">
+              <a:spcBef>
+                <a:spcPts val="300"/>
+              </a:spcBef>
+              <a:defRPr i="1" sz="1560"/>
+            </a:pPr>
+            <a:r>
+              <a:t>						WHEN -1 &lt; TotalPrice::decimal(10,2) AND TotalPrice::decimal(10,2) &lt; 1 THEN 0</a:t>
+            </a:r>
+          </a:p>
+          <a:p>
+            <a:pPr defTabSz="594359">
+              <a:spcBef>
+                <a:spcPts val="300"/>
+              </a:spcBef>
+              <a:defRPr i="1" sz="1560"/>
+            </a:pPr>
+            <a:r>
+              <a:t>					ELSE - FLOOR(1 + LOG(-TotalPrice::decimal(10,2)) / LOG(10)) END</a:t>
+            </a:r>
+          </a:p>
+          <a:p>
+            <a:pPr defTabSz="594359">
+              <a:spcBef>
+                <a:spcPts val="300"/>
+              </a:spcBef>
+              <a:defRPr i="1" sz="1560"/>
+            </a:pPr>
+            <a:r>
+              <a:t>) as numdigits, TotalPrice</a:t>
+            </a:r>
+          </a:p>
+          <a:p>
+            <a:pPr defTabSz="594359">
+              <a:spcBef>
+                <a:spcPts val="300"/>
+              </a:spcBef>
+              <a:defRPr i="1" sz="1560"/>
+            </a:pPr>
+            <a:r>
+              <a:t>FROM Orders o</a:t>
+            </a:r>
+          </a:p>
+          <a:p>
+            <a:pPr defTabSz="594359">
+              <a:spcBef>
+                <a:spcPts val="300"/>
+              </a:spcBef>
+              <a:defRPr i="1" sz="1560"/>
+            </a:pPr>
+            <a:r>
+              <a:t>) a</a:t>
+            </a:r>
+          </a:p>
+          <a:p>
+            <a:pPr defTabSz="594359">
+              <a:spcBef>
+                <a:spcPts val="300"/>
+              </a:spcBef>
+              <a:defRPr i="1" sz="1560"/>
+            </a:pPr>
+            <a:r>
+              <a:t>GROUP BY numdigits</a:t>
+            </a:r>
+          </a:p>
+          <a:p>
+            <a:pPr defTabSz="594359">
+              <a:spcBef>
+                <a:spcPts val="300"/>
+              </a:spcBef>
+              <a:defRPr i="1" sz="1560"/>
+            </a:pPr>
+            <a:r>
+              <a:t>ORDER BY numdigits</a:t>
+            </a:r>
+          </a:p>
+        </p:txBody>
+      </p:sp>
+    </p:spTree>
+  </p:cSld>
+  <p:clrMapOvr>
+    <a:masterClrMapping/>
+  </p:clrMapOvr>
+  <p:transition xmlns:p14="http://schemas.microsoft.com/office/powerpoint/2010/main" spd="med" advClick="1"/>
+</p:sld>
+</file>
+
+<file path=ppt/slides/slide18.xml><?xml version="1.0" encoding="utf-8"?>
+<p:sld xmlns:a="http://schemas.openxmlformats.org/drawingml/2006/main" xmlns:r="http://schemas.openxmlformats.org/officeDocument/2006/relationships" xmlns:p="http://schemas.openxmlformats.org/presentationml/2006/main" showMasterSp="1" showMasterPhAnim="1">
+  <p:cSld>
+    <p:spTree>
+      <p:nvGrpSpPr>
+        <p:cNvPr id="1" name=""/>
+        <p:cNvGrpSpPr/>
+        <p:nvPr/>
+      </p:nvGrpSpPr>
+      <p:grpSpPr>
+        <a:xfrm>
+          <a:off x="0" y="0"/>
+          <a:ext cx="0" cy="0"/>
+          <a:chOff x="0" y="0"/>
+          <a:chExt cx="0" cy="0"/>
+        </a:xfrm>
+      </p:grpSpPr>
+      <p:sp>
+        <p:nvSpPr>
+          <p:cNvPr id="346" name="Textfeld 1"/>
+          <p:cNvSpPr txBox="1"/>
+          <p:nvPr>
+            <p:ph type="sldNum" sz="quarter" idx="2"/>
+          </p:nvPr>
+        </p:nvSpPr>
+        <p:spPr>
+          <a:prstGeom prst="rect">
+            <a:avLst/>
+          </a:prstGeom>
+          <a:extLst>
+            <a:ext uri="{C572A759-6A51-4108-AA02-DFA0A04FC94B}">
+              <ma14:wrappingTextBoxFlag xmlns:ma14="http://schemas.microsoft.com/office/mac/drawingml/2011/main" val="1"/>
+            </a:ext>
+          </a:extLst>
+        </p:spPr>
+        <p:txBody>
+          <a:bodyPr/>
+          <a:lstStyle/>
+          <a:p>
+            <a:pPr/>
+            <a:fld id="{86CB4B4D-7CA3-9044-876B-883B54F8677D}" type="slidenum"/>
+          </a:p>
+        </p:txBody>
+      </p:sp>
+      <p:sp>
+        <p:nvSpPr>
+          <p:cNvPr id="347" name="Titel 1"/>
+          <p:cNvSpPr txBox="1"/>
+          <p:nvPr>
+            <p:ph type="title"/>
+          </p:nvPr>
+        </p:nvSpPr>
+        <p:spPr>
+          <a:prstGeom prst="rect">
+            <a:avLst/>
+          </a:prstGeom>
+        </p:spPr>
+        <p:txBody>
+          <a:bodyPr/>
+          <a:lstStyle/>
+          <a:p>
+            <a:pPr/>
+            <a:r>
+              <a:t>Equal-sized groups</a:t>
+            </a:r>
+          </a:p>
+        </p:txBody>
+      </p:sp>
+      <p:sp>
+        <p:nvSpPr>
+          <p:cNvPr id="348" name="Int width_bucket(numeric op, numeric b1, numeric b2, int count)…"/>
+          <p:cNvSpPr txBox="1"/>
+          <p:nvPr>
+            <p:ph type="body" idx="1"/>
+          </p:nvPr>
+        </p:nvSpPr>
+        <p:spPr>
+          <a:prstGeom prst="rect">
+            <a:avLst/>
+          </a:prstGeom>
+        </p:spPr>
+        <p:txBody>
+          <a:bodyPr/>
+          <a:lstStyle/>
+          <a:p>
+            <a:pPr defTabSz="472440">
+              <a:spcBef>
+                <a:spcPts val="200"/>
+              </a:spcBef>
+              <a:defRPr sz="1116"/>
+            </a:pPr>
+            <a:r>
+              <a:t>Int width_bucket(numeric op, numeric b1, numeric b2, int count) </a:t>
+            </a:r>
+          </a:p>
+          <a:p>
+            <a:pPr defTabSz="472440">
+              <a:spcBef>
+                <a:spcPts val="200"/>
+              </a:spcBef>
+              <a:defRPr sz="1116"/>
+            </a:pPr>
+          </a:p>
+          <a:p>
+            <a:pPr defTabSz="472440">
+              <a:spcBef>
+                <a:spcPts val="200"/>
+              </a:spcBef>
+              <a:defRPr sz="1116"/>
+            </a:pPr>
+            <a:r>
+              <a:t>Ex: Divide the product data into 10 equal price buckets and draw a histogram depicting the number of products that fall into each of these price buckets. For simplicity, consider products with price less than $1000.</a:t>
+            </a:r>
+          </a:p>
+          <a:p>
+            <a:pPr defTabSz="472440">
+              <a:spcBef>
+                <a:spcPts val="200"/>
+              </a:spcBef>
+              <a:defRPr i="1" sz="1240"/>
+            </a:pPr>
+            <a:r>
+              <a:t>WITH p_1000 AS (</a:t>
+            </a:r>
+          </a:p>
+          <a:p>
+            <a:pPr defTabSz="472440">
+              <a:spcBef>
+                <a:spcPts val="200"/>
+              </a:spcBef>
+              <a:defRPr i="1" sz="1240"/>
+            </a:pPr>
+            <a:r>
+              <a:t>	-- (1) Filter out the products with price &gt; $1000</a:t>
+            </a:r>
+          </a:p>
+          <a:p>
+            <a:pPr defTabSz="472440">
+              <a:spcBef>
+                <a:spcPts val="200"/>
+              </a:spcBef>
+              <a:defRPr i="1" sz="1240"/>
+            </a:pPr>
+            <a:r>
+              <a:t>    SELECT p.*</a:t>
+            </a:r>
+          </a:p>
+          <a:p>
+            <a:pPr defTabSz="472440">
+              <a:spcBef>
+                <a:spcPts val="200"/>
+              </a:spcBef>
+              <a:defRPr i="1" sz="1240"/>
+            </a:pPr>
+            <a:r>
+              <a:t>	FROM products p</a:t>
+            </a:r>
+          </a:p>
+          <a:p>
+            <a:pPr defTabSz="472440">
+              <a:spcBef>
+                <a:spcPts val="200"/>
+              </a:spcBef>
+              <a:defRPr i="1" sz="1240"/>
+            </a:pPr>
+            <a:r>
+              <a:t>	WHERE fullprice::decimal(10,1) &lt;= 1000</a:t>
+            </a:r>
+          </a:p>
+          <a:p>
+            <a:pPr defTabSz="472440">
+              <a:spcBef>
+                <a:spcPts val="200"/>
+              </a:spcBef>
+              <a:defRPr i="1" sz="1240"/>
+            </a:pPr>
+            <a:r>
+              <a:t>    ),</a:t>
+            </a:r>
+          </a:p>
+          <a:p>
+            <a:pPr defTabSz="472440">
+              <a:spcBef>
+                <a:spcPts val="200"/>
+              </a:spcBef>
+              <a:defRPr i="1" sz="1240"/>
+            </a:pPr>
+            <a:r>
+              <a:t>	p_minmax AS ( </a:t>
+            </a:r>
+          </a:p>
+          <a:p>
+            <a:pPr defTabSz="472440">
+              <a:spcBef>
+                <a:spcPts val="200"/>
+              </a:spcBef>
+              <a:defRPr i="1" sz="1240"/>
+            </a:pPr>
+            <a:r>
+              <a:t>	-- (2) Find the min and max price of the current distribution</a:t>
+            </a:r>
+          </a:p>
+          <a:p>
+            <a:pPr defTabSz="472440">
+              <a:spcBef>
+                <a:spcPts val="200"/>
+              </a:spcBef>
+              <a:defRPr i="1" sz="1240"/>
+            </a:pPr>
+            <a:r>
+              <a:t>    SELECT MIN(fullprice::DECIMAL(10,1)) AS min_price,</a:t>
+            </a:r>
+          </a:p>
+          <a:p>
+            <a:pPr defTabSz="472440">
+              <a:spcBef>
+                <a:spcPts val="200"/>
+              </a:spcBef>
+              <a:defRPr i="1" sz="1240"/>
+            </a:pPr>
+            <a:r>
+              <a:t>    	   MAX(fullprice::DECIMAL(10,1)) AS max_price</a:t>
+            </a:r>
+          </a:p>
+          <a:p>
+            <a:pPr defTabSz="472440">
+              <a:spcBef>
+                <a:spcPts val="200"/>
+              </a:spcBef>
+              <a:defRPr i="1" sz="1240"/>
+            </a:pPr>
+            <a:r>
+              <a:t>    FROM p_1000</a:t>
+            </a:r>
+          </a:p>
+          <a:p>
+            <a:pPr defTabSz="472440">
+              <a:spcBef>
+                <a:spcPts val="200"/>
+              </a:spcBef>
+              <a:defRPr i="1" sz="1240"/>
+            </a:pPr>
+            <a:r>
+              <a:t>	)</a:t>
+            </a:r>
+          </a:p>
+          <a:p>
+            <a:pPr defTabSz="472440">
+              <a:spcBef>
+                <a:spcPts val="200"/>
+              </a:spcBef>
+              <a:defRPr i="1" sz="1240"/>
+            </a:pPr>
+            <a:r>
+              <a:t>-- (3) The data in the range min_price to max_price is divided into 10 + 1 buckets. Find the bucket to which the price of each product belongs to. And group them by buckets.</a:t>
+            </a:r>
+          </a:p>
+          <a:p>
+            <a:pPr defTabSz="472440">
+              <a:spcBef>
+                <a:spcPts val="200"/>
+              </a:spcBef>
+              <a:defRPr i="1" sz="1240"/>
+            </a:pPr>
+            <a:r>
+              <a:t>SELECT WIDTH_BUCKET(fullprice::DECIMAL(10,1), min_price, max_price, 10) AS bucket,</a:t>
+            </a:r>
+          </a:p>
+          <a:p>
+            <a:pPr defTabSz="472440">
+              <a:spcBef>
+                <a:spcPts val="200"/>
+              </a:spcBef>
+              <a:defRPr i="1" sz="1240"/>
+            </a:pPr>
+            <a:r>
+              <a:t>      MIN(fullprice::DECIMAL(10,1)) as min_price, MAX(fullprice::DECIMAL(10,1)) as max_price,</a:t>
+            </a:r>
+          </a:p>
+          <a:p>
+            <a:pPr defTabSz="472440">
+              <a:spcBef>
+                <a:spcPts val="200"/>
+              </a:spcBef>
+              <a:defRPr i="1" sz="1240"/>
+            </a:pPr>
+            <a:r>
+              <a:t>      COUNT(*) AS freq</a:t>
+            </a:r>
+          </a:p>
+          <a:p>
+            <a:pPr defTabSz="472440">
+              <a:spcBef>
+                <a:spcPts val="200"/>
+              </a:spcBef>
+              <a:defRPr i="1" sz="1240"/>
+            </a:pPr>
+            <a:r>
+              <a:t>FROM p_1000, p_minmax</a:t>
+            </a:r>
+          </a:p>
+          <a:p>
+            <a:pPr defTabSz="472440">
+              <a:spcBef>
+                <a:spcPts val="200"/>
+              </a:spcBef>
+              <a:defRPr i="1" sz="1240"/>
+            </a:pPr>
+            <a:r>
+              <a:t>GROUP BY bucket</a:t>
+            </a:r>
+          </a:p>
+          <a:p>
+            <a:pPr defTabSz="472440">
+              <a:spcBef>
+                <a:spcPts val="200"/>
+              </a:spcBef>
+              <a:defRPr i="1" sz="1240"/>
+            </a:pPr>
+            <a:r>
+              <a:t>ORDER BY bucket</a:t>
+            </a:r>
+          </a:p>
+        </p:txBody>
+      </p:sp>
+    </p:spTree>
+  </p:cSld>
+  <p:clrMapOvr>
+    <a:masterClrMapping/>
+  </p:clrMapOvr>
+  <p:transition xmlns:p14="http://schemas.microsoft.com/office/powerpoint/2010/main" spd="med" advClick="1"/>
+</p:sld>
+</file>
+
+<file path=ppt/slides/slide19.xml><?xml version="1.0" encoding="utf-8"?>
+<p:sld xmlns:a="http://schemas.openxmlformats.org/drawingml/2006/main" xmlns:r="http://schemas.openxmlformats.org/officeDocument/2006/relationships" xmlns:p="http://schemas.openxmlformats.org/presentationml/2006/main" showMasterSp="1" showMasterPhAnim="1">
+  <p:cSld>
+    <p:spTree>
+      <p:nvGrpSpPr>
+        <p:cNvPr id="1" name=""/>
+        <p:cNvGrpSpPr/>
+        <p:nvPr/>
+      </p:nvGrpSpPr>
+      <p:grpSpPr>
+        <a:xfrm>
+          <a:off x="0" y="0"/>
+          <a:ext cx="0" cy="0"/>
+          <a:chOff x="0" y="0"/>
+          <a:chExt cx="0" cy="0"/>
+        </a:xfrm>
+      </p:grpSpPr>
+      <p:sp>
+        <p:nvSpPr>
+          <p:cNvPr id="350" name="Textfeld 1"/>
+          <p:cNvSpPr txBox="1"/>
+          <p:nvPr>
+            <p:ph type="sldNum" sz="quarter" idx="2"/>
+          </p:nvPr>
+        </p:nvSpPr>
+        <p:spPr>
+          <a:prstGeom prst="rect">
+            <a:avLst/>
+          </a:prstGeom>
+          <a:extLst>
+            <a:ext uri="{C572A759-6A51-4108-AA02-DFA0A04FC94B}">
+              <ma14:wrappingTextBoxFlag xmlns:ma14="http://schemas.microsoft.com/office/mac/drawingml/2011/main" val="1"/>
+            </a:ext>
+          </a:extLst>
+        </p:spPr>
+        <p:txBody>
+          <a:bodyPr/>
+          <a:lstStyle/>
+          <a:p>
+            <a:pPr/>
+            <a:fld id="{86CB4B4D-7CA3-9044-876B-883B54F8677D}" type="slidenum"/>
+          </a:p>
+        </p:txBody>
+      </p:sp>
+      <p:sp>
+        <p:nvSpPr>
+          <p:cNvPr id="351" name="Titel 1"/>
+          <p:cNvSpPr txBox="1"/>
+          <p:nvPr>
+            <p:ph type="title"/>
+          </p:nvPr>
+        </p:nvSpPr>
+        <p:spPr>
+          <a:prstGeom prst="rect">
+            <a:avLst/>
+          </a:prstGeom>
+        </p:spPr>
+        <p:txBody>
+          <a:bodyPr/>
+          <a:lstStyle/>
+          <a:p>
+            <a:pPr/>
+            <a:r>
               <a:t>Covered</a:t>
             </a:r>
           </a:p>
@@ -9940,7 +11809,7 @@
       </p:sp>
       <p:sp>
         <p:nvSpPr>
-          <p:cNvPr id="322" name="Textplatzhalter 2"/>
+          <p:cNvPr id="352" name="Textplatzhalter 2"/>
           <p:cNvSpPr txBox="1"/>
           <p:nvPr>
             <p:ph type="body" idx="1"/>
@@ -11286,7 +13155,7 @@
           <a:p>
             <a:pPr/>
             <a:r>
-              <a:t>1.4 Balanced Sample</a:t>
+              <a:t>Exercise</a:t>
             </a:r>
           </a:p>
         </p:txBody>
@@ -11301,8 +13170,8 @@
         </p:nvSpPr>
         <p:spPr>
           <a:xfrm>
-            <a:off x="251424" y="549273"/>
-            <a:ext cx="8641152" cy="5310051"/>
+            <a:off x="96047" y="498473"/>
+            <a:ext cx="8951906" cy="5944991"/>
           </a:xfrm>
           <a:prstGeom prst="rect">
             <a:avLst/>
@@ -11312,211 +13181,305 @@
           <a:bodyPr/>
           <a:lstStyle/>
           <a:p>
-            <a:pPr marL="153402" indent="-153402" defTabSz="647700">
-              <a:spcBef>
-                <a:spcPts val="300"/>
-              </a:spcBef>
-              <a:buSzPct val="100000"/>
-              <a:buChar char="•"/>
-              <a:defRPr sz="1530"/>
-            </a:pPr>
-            <a:r>
-              <a:t>Sample in which all groups of a column are represented equally.</a:t>
-            </a:r>
-          </a:p>
-          <a:p>
-            <a:pPr defTabSz="647700">
-              <a:spcBef>
-                <a:spcPts val="300"/>
-              </a:spcBef>
-              <a:defRPr sz="1530"/>
-            </a:pPr>
-            <a:r>
-              <a:t>Ex: Generate a random sample consisting of 1000 customers that has equal number of male and female customers i.e., with 1:1 gender ratio</a:t>
-            </a:r>
-          </a:p>
-          <a:p>
-            <a:pPr defTabSz="647700">
-              <a:spcBef>
-                <a:spcPts val="300"/>
-              </a:spcBef>
-              <a:defRPr sz="1530"/>
-            </a:pPr>
-          </a:p>
-          <a:p>
-            <a:pPr defTabSz="647700">
-              <a:spcBef>
-                <a:spcPts val="300"/>
-              </a:spcBef>
-              <a:defRPr i="1" sz="1530"/>
-            </a:pPr>
-            <a:r>
-              <a:t>WITH cust AS (</a:t>
-            </a:r>
-          </a:p>
-          <a:p>
-            <a:pPr defTabSz="647700">
-              <a:spcBef>
-                <a:spcPts val="300"/>
-              </a:spcBef>
-              <a:defRPr i="1" sz="1530"/>
-            </a:pPr>
-            <a:r>
-              <a:t>	SELECT c.*,</a:t>
-            </a:r>
-          </a:p>
-          <a:p>
-            <a:pPr defTabSz="647700">
-              <a:spcBef>
-                <a:spcPts val="300"/>
-              </a:spcBef>
-              <a:defRPr i="1" sz="1530"/>
-            </a:pPr>
-            <a:r>
-              <a:t>    	-- Assign the same row number for all rows with the same value of isF</a:t>
-            </a:r>
-          </a:p>
-          <a:p>
-            <a:pPr defTabSz="647700">
-              <a:spcBef>
-                <a:spcPts val="300"/>
-              </a:spcBef>
-              <a:defRPr i="1" sz="1530"/>
-            </a:pPr>
-            <a:r>
-              <a:t>		ROW_NUMBER() OVER (PARTITION BY isF) AS seqnum</a:t>
-            </a:r>
-          </a:p>
-          <a:p>
-            <a:pPr defTabSz="647700">
-              <a:spcBef>
-                <a:spcPts val="300"/>
-              </a:spcBef>
-              <a:defRPr i="1" sz="1530"/>
-            </a:pPr>
-            <a:r>
-              <a:t>    FROM (SELECT c.*,</a:t>
-            </a:r>
-          </a:p>
-          <a:p>
-            <a:pPr defTabSz="647700">
-              <a:spcBef>
-                <a:spcPts val="300"/>
-              </a:spcBef>
-              <a:defRPr i="1" sz="1530"/>
-            </a:pPr>
-            <a:r>
-              <a:t>         	(CASE WHEN c.gender = 'F' THEN 1 ELSE 0 END) AS isF</a:t>
-            </a:r>
-          </a:p>
-          <a:p>
-            <a:pPr defTabSz="647700">
-              <a:spcBef>
-                <a:spcPts val="300"/>
-              </a:spcBef>
-              <a:defRPr i="1" sz="1530"/>
-            </a:pPr>
-            <a:r>
-              <a:t>         FROM customers c</a:t>
-            </a:r>
-          </a:p>
-          <a:p>
-            <a:pPr defTabSz="647700">
-              <a:spcBef>
-                <a:spcPts val="300"/>
-              </a:spcBef>
-              <a:defRPr i="1" sz="1530"/>
-            </a:pPr>
-            <a:r>
-              <a:t>         WHERE c.gender &lt;&gt; ''</a:t>
-            </a:r>
-          </a:p>
-          <a:p>
-            <a:pPr defTabSz="647700">
-              <a:spcBef>
-                <a:spcPts val="300"/>
-              </a:spcBef>
-              <a:defRPr i="1" sz="1530"/>
-            </a:pPr>
-            <a:r>
-              <a:t>         ) c</a:t>
-            </a:r>
-          </a:p>
-          <a:p>
-            <a:pPr defTabSz="647700">
-              <a:spcBef>
-                <a:spcPts val="300"/>
-              </a:spcBef>
-              <a:defRPr i="1" sz="1530"/>
-            </a:pPr>
-            <a:r>
-              <a:t>    )</a:t>
-            </a:r>
-          </a:p>
-          <a:p>
-            <a:pPr defTabSz="647700">
-              <a:spcBef>
-                <a:spcPts val="300"/>
-              </a:spcBef>
-              <a:defRPr i="1" sz="1530"/>
+            <a:pPr defTabSz="464820">
+              <a:spcBef>
+                <a:spcPts val="200"/>
+              </a:spcBef>
+              <a:defRPr sz="1220"/>
+            </a:pPr>
+            <a:r>
+              <a:t>Obtain a 10% sample of orders, along with the information of whether or not it availed free shipping. The distribution of orders in the sample that received and did not receive free shipping should match the original data.</a:t>
+            </a:r>
+          </a:p>
+          <a:p>
+            <a:pPr defTabSz="464820">
+              <a:spcBef>
+                <a:spcPts val="200"/>
+              </a:spcBef>
+              <a:defRPr sz="1220"/>
+            </a:pPr>
+          </a:p>
+          <a:p>
+            <a:pPr defTabSz="464820">
+              <a:spcBef>
+                <a:spcPts val="200"/>
+              </a:spcBef>
+              <a:defRPr i="1" sz="1098"/>
+            </a:pPr>
+            <a:r>
+              <a:t> -- Original free shipping distribution</a:t>
+            </a:r>
+          </a:p>
+          <a:p>
+            <a:pPr defTabSz="464820">
+              <a:spcBef>
+                <a:spcPts val="200"/>
+              </a:spcBef>
+              <a:defRPr i="1" sz="1098"/>
+            </a:pPr>
+            <a:r>
+              <a:t>WITH cte AS (</a:t>
+            </a:r>
+          </a:p>
+          <a:p>
+            <a:pPr defTabSz="464820">
+              <a:spcBef>
+                <a:spcPts val="200"/>
+              </a:spcBef>
+              <a:defRPr i="1" sz="1098"/>
+            </a:pPr>
+            <a:r>
+              <a:t>    	SELECT ord.*, camp.freeshppingflag</a:t>
+            </a:r>
+          </a:p>
+          <a:p>
+            <a:pPr defTabSz="464820">
+              <a:spcBef>
+                <a:spcPts val="200"/>
+              </a:spcBef>
+              <a:defRPr i="1" sz="1098"/>
+            </a:pPr>
+            <a:r>
+              <a:t>	FROM orders ord </a:t>
+            </a:r>
+          </a:p>
+          <a:p>
+            <a:pPr defTabSz="464820">
+              <a:spcBef>
+                <a:spcPts val="200"/>
+              </a:spcBef>
+              <a:defRPr i="1" sz="1098"/>
+            </a:pPr>
+            <a:r>
+              <a:t>    	JOIN campaigns camp</a:t>
+            </a:r>
+          </a:p>
+          <a:p>
+            <a:pPr defTabSz="464820">
+              <a:spcBef>
+                <a:spcPts val="200"/>
+              </a:spcBef>
+              <a:defRPr i="1" sz="1098"/>
+            </a:pPr>
+            <a:r>
+              <a:t>    	ON ord.campaignid = camp.campaignid</a:t>
+            </a:r>
+          </a:p>
+          <a:p>
+            <a:pPr defTabSz="464820">
+              <a:spcBef>
+                <a:spcPts val="200"/>
+              </a:spcBef>
+              <a:defRPr i="1" sz="1098"/>
+            </a:pPr>
+            <a:r>
+              <a:t>)</a:t>
+            </a:r>
+          </a:p>
+          <a:p>
+            <a:pPr defTabSz="464820">
+              <a:spcBef>
+                <a:spcPts val="200"/>
+              </a:spcBef>
+              <a:defRPr i="1" sz="1098"/>
             </a:pPr>
             <a:r>
               <a:t>SELECT </a:t>
             </a:r>
           </a:p>
           <a:p>
-            <a:pPr defTabSz="647700">
-              <a:spcBef>
-                <a:spcPts val="300"/>
-              </a:spcBef>
-              <a:defRPr i="1" sz="1530"/>
-            </a:pPr>
-            <a:r>
-              <a:t>	SUM(CASE WHEN cust.isF = 1 THEN 1 ELSE 0 END) * 100 / COUNT(*) AS percent_f,</a:t>
-            </a:r>
-          </a:p>
-          <a:p>
-            <a:pPr defTabSz="647700">
-              <a:spcBef>
-                <a:spcPts val="300"/>
-              </a:spcBef>
-              <a:defRPr i="1" sz="1530"/>
-            </a:pPr>
-            <a:r>
-              <a:t>	SUM(CASE WHEN cust.isF = 0 THEN 1 ELSE 0 END) * 100 / COUNT(*) AS percent_m,</a:t>
-            </a:r>
-          </a:p>
-          <a:p>
-            <a:pPr defTabSz="647700">
-              <a:spcBef>
-                <a:spcPts val="300"/>
-              </a:spcBef>
-              <a:defRPr i="1" sz="1530"/>
-            </a:pPr>
-            <a:r>
-              <a:t>    COUNT(*) AS total_count</a:t>
-            </a:r>
-          </a:p>
-          <a:p>
-            <a:pPr defTabSz="647700">
-              <a:spcBef>
-                <a:spcPts val="300"/>
-              </a:spcBef>
-              <a:defRPr i="1" sz="1530"/>
-            </a:pPr>
-            <a:r>
-              <a:t>FROM cust</a:t>
-            </a:r>
-          </a:p>
-          <a:p>
-            <a:pPr defTabSz="647700">
-              <a:spcBef>
-                <a:spcPts val="300"/>
-              </a:spcBef>
-              <a:defRPr i="1" sz="1530"/>
-            </a:pPr>
-            <a:r>
-              <a:t>WHERE seqnum &lt;= 500</a:t>
+            <a:pPr defTabSz="464820">
+              <a:spcBef>
+                <a:spcPts val="200"/>
+              </a:spcBef>
+              <a:defRPr i="1" sz="1098"/>
+            </a:pPr>
+            <a:r>
+              <a:t>((SUM(CASE WHEN cte.freeshppingflag = 'Y' THEN 1 ELSE 0 END) * 100)::decimal(10,1) / COUNT(*))::decimal(10,2) AS freeshipping_received,</a:t>
+            </a:r>
+          </a:p>
+          <a:p>
+            <a:pPr defTabSz="464820">
+              <a:spcBef>
+                <a:spcPts val="200"/>
+              </a:spcBef>
+              <a:defRPr i="1" sz="1098"/>
+            </a:pPr>
+            <a:r>
+              <a:t>((SUM(CASE WHEN cte.freeshppingflag = 'N' THEN 1 ELSE 0 END) * 100)::decimal(10,1) / COUNT(*))::decimal(10,2) AS freeshipping_not_received,</a:t>
+            </a:r>
+          </a:p>
+          <a:p>
+            <a:pPr defTabSz="464820">
+              <a:spcBef>
+                <a:spcPts val="200"/>
+              </a:spcBef>
+              <a:defRPr i="1" sz="1098"/>
+            </a:pPr>
+            <a:r>
+              <a:t>COUNT(*) AS total_count</a:t>
+            </a:r>
+          </a:p>
+          <a:p>
+            <a:pPr defTabSz="464820">
+              <a:spcBef>
+                <a:spcPts val="200"/>
+              </a:spcBef>
+              <a:defRPr i="1" sz="1098"/>
+            </a:pPr>
+            <a:r>
+              <a:t>FROM cte</a:t>
+            </a:r>
+          </a:p>
+          <a:p>
+            <a:pPr defTabSz="464820">
+              <a:spcBef>
+                <a:spcPts val="200"/>
+              </a:spcBef>
+              <a:defRPr i="1" sz="1098"/>
+            </a:pPr>
+          </a:p>
+          <a:p>
+            <a:pPr defTabSz="464820">
+              <a:spcBef>
+                <a:spcPts val="200"/>
+              </a:spcBef>
+              <a:defRPr i="1" sz="1098"/>
+            </a:pPr>
+            <a:r>
+              <a:t> -- Free Shipping distribution in sample</a:t>
+            </a:r>
+          </a:p>
+          <a:p>
+            <a:pPr defTabSz="464820">
+              <a:spcBef>
+                <a:spcPts val="200"/>
+              </a:spcBef>
+              <a:defRPr i="1" sz="1098"/>
+            </a:pPr>
+            <a:r>
+              <a:t>WITH cte AS (</a:t>
+            </a:r>
+          </a:p>
+          <a:p>
+            <a:pPr defTabSz="464820">
+              <a:spcBef>
+                <a:spcPts val="200"/>
+              </a:spcBef>
+              <a:defRPr i="1" sz="1098"/>
+            </a:pPr>
+            <a:r>
+              <a:t>    	SELECT ord.*, camp.freeshppingflag, ROW_NUMBER() OVER (ORDER BY camp.freeshppingflag) AS rownum</a:t>
+            </a:r>
+          </a:p>
+          <a:p>
+            <a:pPr defTabSz="464820">
+              <a:spcBef>
+                <a:spcPts val="200"/>
+              </a:spcBef>
+              <a:defRPr i="1" sz="1098"/>
+            </a:pPr>
+            <a:r>
+              <a:t>	FROM orders ord </a:t>
+            </a:r>
+          </a:p>
+          <a:p>
+            <a:pPr defTabSz="464820">
+              <a:spcBef>
+                <a:spcPts val="200"/>
+              </a:spcBef>
+              <a:defRPr i="1" sz="1098"/>
+            </a:pPr>
+            <a:r>
+              <a:t> JOIN campaigns camp</a:t>
+            </a:r>
+          </a:p>
+          <a:p>
+            <a:pPr defTabSz="464820">
+              <a:spcBef>
+                <a:spcPts val="200"/>
+              </a:spcBef>
+              <a:defRPr i="1" sz="1098"/>
+            </a:pPr>
+            <a:r>
+              <a:t>    	ON ord.campaignid = camp.campaignid</a:t>
+            </a:r>
+          </a:p>
+          <a:p>
+            <a:pPr defTabSz="464820">
+              <a:spcBef>
+                <a:spcPts val="200"/>
+              </a:spcBef>
+              <a:defRPr i="1" sz="1098"/>
+            </a:pPr>
+            <a:r>
+              <a:t>	)</a:t>
+            </a:r>
+          </a:p>
+          <a:p>
+            <a:pPr defTabSz="464820">
+              <a:spcBef>
+                <a:spcPts val="200"/>
+              </a:spcBef>
+              <a:defRPr i="1" sz="1098"/>
+            </a:pPr>
+            <a:r>
+              <a:t>SELECT </a:t>
+            </a:r>
+          </a:p>
+          <a:p>
+            <a:pPr defTabSz="464820">
+              <a:spcBef>
+                <a:spcPts val="200"/>
+              </a:spcBef>
+              <a:defRPr i="1" sz="1098"/>
+            </a:pPr>
+            <a:r>
+              <a:t>((SUM(CASE WHEN cte.freeshppingflag = 'Y' THEN 1 ELSE 0 END) * 100)::decimal(10,2) / COUNT(*))::decimal(10,2) AS freeshipping_received,</a:t>
+            </a:r>
+          </a:p>
+          <a:p>
+            <a:pPr defTabSz="464820">
+              <a:spcBef>
+                <a:spcPts val="200"/>
+              </a:spcBef>
+              <a:defRPr i="1" sz="1098"/>
+            </a:pPr>
+            <a:r>
+              <a:t>((SUM(CASE WHEN cte.freeshppingflag = 'N' THEN 1 ELSE 0 END) * 100)::decimal(10,2) / COUNT(*))::decimal(10,2) AS freeshipping_not_received,</a:t>
+            </a:r>
+          </a:p>
+          <a:p>
+            <a:pPr defTabSz="464820">
+              <a:spcBef>
+                <a:spcPts val="200"/>
+              </a:spcBef>
+              <a:defRPr i="1" sz="1098"/>
+            </a:pPr>
+            <a:r>
+              <a:t>COUNT(*) AS total_count</a:t>
+            </a:r>
+          </a:p>
+          <a:p>
+            <a:pPr defTabSz="464820">
+              <a:spcBef>
+                <a:spcPts val="200"/>
+              </a:spcBef>
+              <a:defRPr i="1" sz="1098"/>
+            </a:pPr>
+            <a:r>
+              <a:t>FROM cte</a:t>
+            </a:r>
+          </a:p>
+          <a:p>
+            <a:pPr defTabSz="464820">
+              <a:spcBef>
+                <a:spcPts val="200"/>
+              </a:spcBef>
+              <a:defRPr i="1" sz="1098"/>
+            </a:pPr>
+            <a:r>
+              <a:t>WHERE cte.rownum % 10 = 1</a:t>
             </a:r>
           </a:p>
         </p:txBody>
@@ -11597,7 +13560,7 @@
           <a:p>
             <a:pPr/>
             <a:r>
-              <a:t>2.1 TableSample - System and Bernoulli</a:t>
+              <a:t>1.4 Balanced Sample</a:t>
             </a:r>
           </a:p>
         </p:txBody>
@@ -11623,178 +13586,211 @@
           <a:bodyPr/>
           <a:lstStyle/>
           <a:p>
-            <a:pPr defTabSz="632459">
+            <a:pPr marL="153402" indent="-153402" defTabSz="647700">
               <a:spcBef>
                 <a:spcPts val="300"/>
               </a:spcBef>
-              <a:defRPr sz="1494"/>
-            </a:pPr>
-            <a:r>
-              <a:t>SELECT expr</a:t>
-            </a:r>
-          </a:p>
-          <a:p>
-            <a:pPr defTabSz="632459">
+              <a:buSzPct val="100000"/>
+              <a:buChar char="•"/>
+              <a:defRPr sz="1530"/>
+            </a:pPr>
+            <a:r>
+              <a:t>Sample in which all groups of a column are represented equally.</a:t>
+            </a:r>
+          </a:p>
+          <a:p>
+            <a:pPr defTabSz="647700">
               <a:spcBef>
                 <a:spcPts val="300"/>
               </a:spcBef>
-              <a:defRPr sz="1494"/>
-            </a:pPr>
-            <a:r>
-              <a:t>FROM table</a:t>
-            </a:r>
-          </a:p>
-          <a:p>
-            <a:pPr defTabSz="632459">
+              <a:defRPr sz="1530"/>
+            </a:pPr>
+            <a:r>
+              <a:t>Ex: Generate a random sample consisting of 1000 customers that has equal number of male and female customers i.e., with 1:1 gender ratio</a:t>
+            </a:r>
+          </a:p>
+          <a:p>
+            <a:pPr defTabSz="647700">
               <a:spcBef>
                 <a:spcPts val="300"/>
               </a:spcBef>
-              <a:defRPr sz="1494"/>
-            </a:pPr>
-            <a:r>
-              <a:t>TABLESAMPLE sampling_method (argument) [REPEATABLE(seed)]</a:t>
-            </a:r>
-          </a:p>
-          <a:p>
-            <a:pPr defTabSz="632459">
+              <a:defRPr sz="1530"/>
+            </a:pPr>
+          </a:p>
+          <a:p>
+            <a:pPr defTabSz="647700">
               <a:spcBef>
                 <a:spcPts val="300"/>
               </a:spcBef>
-              <a:defRPr sz="1494"/>
-            </a:pPr>
-          </a:p>
-          <a:p>
-            <a:pPr defTabSz="632459">
+              <a:defRPr i="1" sz="1530"/>
+            </a:pPr>
+            <a:r>
+              <a:t>WITH cust AS (</a:t>
+            </a:r>
+          </a:p>
+          <a:p>
+            <a:pPr defTabSz="647700">
               <a:spcBef>
                 <a:spcPts val="300"/>
               </a:spcBef>
-              <a:defRPr sz="1494"/>
-            </a:pPr>
-            <a:r>
-              <a:t>Two types of sampling methods:</a:t>
-            </a:r>
-          </a:p>
-          <a:p>
-            <a:pPr defTabSz="632459">
+              <a:defRPr i="1" sz="1530"/>
+            </a:pPr>
+            <a:r>
+              <a:t>	SELECT c.*,</a:t>
+            </a:r>
+          </a:p>
+          <a:p>
+            <a:pPr defTabSz="647700">
               <a:spcBef>
                 <a:spcPts val="300"/>
               </a:spcBef>
-              <a:defRPr sz="1494"/>
-            </a:pPr>
-            <a:r>
-              <a:t>(i) SYSTEM - which does block level sampling. It groups a set of tuples and randomly selects these groups.</a:t>
-            </a:r>
-          </a:p>
-          <a:p>
-            <a:pPr defTabSz="632459">
+              <a:defRPr i="1" sz="1530"/>
+            </a:pPr>
+            <a:r>
+              <a:t>    	-- Assign the same row number for all rows with the same value of isF</a:t>
+            </a:r>
+          </a:p>
+          <a:p>
+            <a:pPr defTabSz="647700">
               <a:spcBef>
                 <a:spcPts val="300"/>
               </a:spcBef>
-              <a:defRPr sz="1494"/>
-            </a:pPr>
-            <a:r>
-              <a:t>(ii) BERNOULLI - which does tuple level sampling. Each row has equal probability of being selected.</a:t>
-            </a:r>
-          </a:p>
-          <a:p>
-            <a:pPr defTabSz="632459">
+              <a:defRPr i="1" sz="1530"/>
+            </a:pPr>
+            <a:r>
+              <a:t>		ROW_NUMBER() OVER (PARTITION BY isF) AS seqnum</a:t>
+            </a:r>
+          </a:p>
+          <a:p>
+            <a:pPr defTabSz="647700">
               <a:spcBef>
                 <a:spcPts val="300"/>
               </a:spcBef>
-              <a:defRPr sz="1494"/>
-            </a:pPr>
-          </a:p>
-          <a:p>
-            <a:pPr defTabSz="632459">
+              <a:defRPr i="1" sz="1530"/>
+            </a:pPr>
+            <a:r>
+              <a:t>    FROM (SELECT c.*,</a:t>
+            </a:r>
+          </a:p>
+          <a:p>
+            <a:pPr defTabSz="647700">
               <a:spcBef>
                 <a:spcPts val="300"/>
               </a:spcBef>
-              <a:defRPr sz="1494"/>
-            </a:pPr>
-            <a:r>
-              <a:t>Ex: Generate a 10% random sample of the customers table, such that it can be reproduced at a later point of time.</a:t>
-            </a:r>
-          </a:p>
-          <a:p>
-            <a:pPr defTabSz="632459">
+              <a:defRPr i="1" sz="1530"/>
+            </a:pPr>
+            <a:r>
+              <a:t>         	(CASE WHEN c.gender = 'F' THEN 1 ELSE 0 END) AS isF</a:t>
+            </a:r>
+          </a:p>
+          <a:p>
+            <a:pPr defTabSz="647700">
               <a:spcBef>
                 <a:spcPts val="300"/>
               </a:spcBef>
-              <a:defRPr sz="1494"/>
-            </a:pPr>
-          </a:p>
-          <a:p>
-            <a:pPr defTabSz="632459">
+              <a:defRPr i="1" sz="1530"/>
+            </a:pPr>
+            <a:r>
+              <a:t>         FROM customers c</a:t>
+            </a:r>
+          </a:p>
+          <a:p>
+            <a:pPr defTabSz="647700">
               <a:spcBef>
                 <a:spcPts val="300"/>
               </a:spcBef>
-              <a:defRPr i="1" sz="1494"/>
-            </a:pPr>
-            <a:r>
-              <a:t>SELECT * </a:t>
-            </a:r>
-          </a:p>
-          <a:p>
-            <a:pPr defTabSz="632459">
+              <a:defRPr i="1" sz="1530"/>
+            </a:pPr>
+            <a:r>
+              <a:t>         WHERE c.gender &lt;&gt; ''</a:t>
+            </a:r>
+          </a:p>
+          <a:p>
+            <a:pPr defTabSz="647700">
               <a:spcBef>
                 <a:spcPts val="300"/>
               </a:spcBef>
-              <a:defRPr i="1" sz="1494"/>
-            </a:pPr>
-            <a:r>
-              <a:t>FROM customers</a:t>
-            </a:r>
-          </a:p>
-          <a:p>
-            <a:pPr defTabSz="632459">
+              <a:defRPr i="1" sz="1530"/>
+            </a:pPr>
+            <a:r>
+              <a:t>         ) c</a:t>
+            </a:r>
+          </a:p>
+          <a:p>
+            <a:pPr defTabSz="647700">
               <a:spcBef>
                 <a:spcPts val="300"/>
               </a:spcBef>
-              <a:defRPr i="1" sz="1494"/>
-            </a:pPr>
-            <a:r>
-              <a:t>TABLESAMPLE SYSTEM(10) REPEATABLE(200);</a:t>
-            </a:r>
-          </a:p>
-          <a:p>
-            <a:pPr defTabSz="632459">
+              <a:defRPr i="1" sz="1530"/>
+            </a:pPr>
+            <a:r>
+              <a:t>    )</a:t>
+            </a:r>
+          </a:p>
+          <a:p>
+            <a:pPr defTabSz="647700">
               <a:spcBef>
                 <a:spcPts val="300"/>
               </a:spcBef>
-              <a:defRPr i="1" sz="1494"/>
-            </a:pPr>
-          </a:p>
-          <a:p>
-            <a:pPr defTabSz="632459">
+              <a:defRPr i="1" sz="1530"/>
+            </a:pPr>
+            <a:r>
+              <a:t>SELECT </a:t>
+            </a:r>
+          </a:p>
+          <a:p>
+            <a:pPr defTabSz="647700">
               <a:spcBef>
                 <a:spcPts val="300"/>
               </a:spcBef>
-              <a:defRPr i="1" sz="1494"/>
-            </a:pPr>
-            <a:r>
-              <a:t>SELECT * </a:t>
-            </a:r>
-          </a:p>
-          <a:p>
-            <a:pPr defTabSz="632459">
+              <a:defRPr i="1" sz="1530"/>
+            </a:pPr>
+            <a:r>
+              <a:t>	SUM(CASE WHEN cust.isF = 1 THEN 1 ELSE 0 END) * 100 / COUNT(*) AS percent_f,</a:t>
+            </a:r>
+          </a:p>
+          <a:p>
+            <a:pPr defTabSz="647700">
               <a:spcBef>
                 <a:spcPts val="300"/>
               </a:spcBef>
-              <a:defRPr i="1" sz="1494"/>
-            </a:pPr>
-            <a:r>
-              <a:t>FROM customers</a:t>
-            </a:r>
-          </a:p>
-          <a:p>
-            <a:pPr defTabSz="632459">
+              <a:defRPr i="1" sz="1530"/>
+            </a:pPr>
+            <a:r>
+              <a:t>	SUM(CASE WHEN cust.isF = 0 THEN 1 ELSE 0 END) * 100 / COUNT(*) AS percent_m,</a:t>
+            </a:r>
+          </a:p>
+          <a:p>
+            <a:pPr defTabSz="647700">
               <a:spcBef>
                 <a:spcPts val="300"/>
               </a:spcBef>
-              <a:defRPr i="1" sz="1494"/>
-            </a:pPr>
-            <a:r>
-              <a:t>TABLESAMPLE BERNOULLI(10) REPEATABLE(200);</a:t>
+              <a:defRPr i="1" sz="1530"/>
+            </a:pPr>
+            <a:r>
+              <a:t>    COUNT(*) AS total_count</a:t>
+            </a:r>
+          </a:p>
+          <a:p>
+            <a:pPr defTabSz="647700">
+              <a:spcBef>
+                <a:spcPts val="300"/>
+              </a:spcBef>
+              <a:defRPr i="1" sz="1530"/>
+            </a:pPr>
+            <a:r>
+              <a:t>FROM cust</a:t>
+            </a:r>
+          </a:p>
+          <a:p>
+            <a:pPr defTabSz="647700">
+              <a:spcBef>
+                <a:spcPts val="300"/>
+              </a:spcBef>
+              <a:defRPr i="1" sz="1530"/>
+            </a:pPr>
+            <a:r>
+              <a:t>WHERE seqnum &lt;= 500</a:t>
             </a:r>
           </a:p>
         </p:txBody>
@@ -11875,20 +13871,24 @@
           <a:p>
             <a:pPr/>
             <a:r>
-              <a:t>2.2 System Rows and Comparing Efficiency</a:t>
-            </a:r>
-          </a:p>
-        </p:txBody>
-      </p:sp>
-      <p:sp>
-        <p:nvSpPr>
-          <p:cNvPr id="299" name="Ex: Generate a random sample consisting of 1000 rows from the customers table and compare the query execution times.…"/>
+              <a:t>Exercise</a:t>
+            </a:r>
+          </a:p>
+        </p:txBody>
+      </p:sp>
+      <p:sp>
+        <p:nvSpPr>
+          <p:cNvPr id="299" name="Textplatzhalter 2"/>
           <p:cNvSpPr txBox="1"/>
           <p:nvPr>
             <p:ph type="body" idx="1"/>
           </p:nvPr>
         </p:nvSpPr>
         <p:spPr>
+          <a:xfrm>
+            <a:off x="251424" y="549273"/>
+            <a:ext cx="8641152" cy="5310051"/>
+          </a:xfrm>
           <a:prstGeom prst="rect">
             <a:avLst/>
           </a:prstGeom>
@@ -11897,101 +13897,187 @@
           <a:bodyPr/>
           <a:lstStyle/>
           <a:p>
-            <a:pPr>
-              <a:defRPr sz="1800"/>
-            </a:pPr>
-            <a:r>
-              <a:t>Ex: Generate a random sample consisting of 1000 rows from the customers table and compare the query execution times.</a:t>
-            </a:r>
-          </a:p>
-          <a:p>
-            <a:pPr>
-              <a:defRPr i="1"/>
-            </a:pPr>
-          </a:p>
-          <a:p>
-            <a:pPr>
-              <a:defRPr i="1"/>
-            </a:pPr>
-            <a:r>
-              <a:t>EXPLAIN ANALYSE</a:t>
-            </a:r>
-          </a:p>
-          <a:p>
-            <a:pPr>
-              <a:defRPr i="1"/>
-            </a:pPr>
-            <a:r>
-              <a:t>SELECT * </a:t>
-            </a:r>
-          </a:p>
-          <a:p>
-            <a:pPr>
-              <a:defRPr i="1"/>
-            </a:pPr>
-            <a:r>
-              <a:t>FROM customers</a:t>
-            </a:r>
-          </a:p>
-          <a:p>
-            <a:pPr>
-              <a:defRPr i="1"/>
-            </a:pPr>
-            <a:r>
-              <a:t>ORDER BY random()</a:t>
-            </a:r>
-          </a:p>
-          <a:p>
-            <a:pPr>
-              <a:defRPr i="1"/>
-            </a:pPr>
-            <a:r>
-              <a:t>LIMIT 1000</a:t>
-            </a:r>
-          </a:p>
-          <a:p>
-            <a:pPr>
-              <a:defRPr i="1"/>
-            </a:pPr>
-          </a:p>
-          <a:p>
-            <a:pPr>
-              <a:defRPr i="1"/>
-            </a:pPr>
-            <a:r>
-              <a:t>CREATE EXTENSION IF NOT EXISTS "tsm_system_rows";</a:t>
-            </a:r>
-          </a:p>
-          <a:p>
-            <a:pPr>
-              <a:defRPr i="1"/>
-            </a:pPr>
-            <a:r>
-              <a:t>EXPLAIN ANALYZE</a:t>
-            </a:r>
-          </a:p>
-          <a:p>
-            <a:pPr>
-              <a:defRPr i="1"/>
-            </a:pPr>
-            <a:r>
-              <a:t>SELECT * </a:t>
-            </a:r>
-          </a:p>
-          <a:p>
-            <a:pPr>
-              <a:defRPr i="1"/>
-            </a:pPr>
-            <a:r>
-              <a:t>FROM customers </a:t>
-            </a:r>
-          </a:p>
-          <a:p>
-            <a:pPr>
-              <a:defRPr i="1"/>
-            </a:pPr>
-            <a:r>
-              <a:t>TABLESAMPLE SYSTEM_ROWS(1000)</a:t>
+            <a:pPr defTabSz="693420">
+              <a:defRPr sz="1820"/>
+            </a:pPr>
+            <a:r>
+              <a:t>Obtain a sample of 100 orders along with the customer information, exactly half of which have received some discount.</a:t>
+            </a:r>
+          </a:p>
+          <a:p>
+            <a:pPr defTabSz="693420">
+              <a:spcBef>
+                <a:spcPts val="300"/>
+              </a:spcBef>
+              <a:defRPr i="1" sz="1638"/>
+            </a:pPr>
+            <a:r>
+              <a:t>-- Balanced sample - Discount</a:t>
+            </a:r>
+          </a:p>
+          <a:p>
+            <a:pPr defTabSz="693420">
+              <a:spcBef>
+                <a:spcPts val="300"/>
+              </a:spcBef>
+              <a:defRPr i="1" sz="1638"/>
+            </a:pPr>
+            <a:r>
+              <a:t>WITH cte AS (</a:t>
+            </a:r>
+          </a:p>
+          <a:p>
+            <a:pPr defTabSz="693420">
+              <a:spcBef>
+                <a:spcPts val="300"/>
+              </a:spcBef>
+              <a:defRPr i="1" sz="1638"/>
+            </a:pPr>
+            <a:r>
+              <a:t>	SELECT t.*,</a:t>
+            </a:r>
+          </a:p>
+          <a:p>
+            <a:pPr defTabSz="693420">
+              <a:spcBef>
+                <a:spcPts val="300"/>
+              </a:spcBef>
+              <a:defRPr i="1" sz="1638"/>
+            </a:pPr>
+            <a:r>
+              <a:t>		ROW_NUMBER() OVER (PARTITION BY discountReceived) AS seqnum</a:t>
+            </a:r>
+          </a:p>
+          <a:p>
+            <a:pPr defTabSz="693420">
+              <a:spcBef>
+                <a:spcPts val="300"/>
+              </a:spcBef>
+              <a:defRPr i="1" sz="1638"/>
+            </a:pPr>
+            <a:r>
+              <a:t>    FROM (SELECT cust.*, camp.discount,</a:t>
+            </a:r>
+          </a:p>
+          <a:p>
+            <a:pPr defTabSz="693420">
+              <a:spcBef>
+                <a:spcPts val="300"/>
+              </a:spcBef>
+              <a:defRPr i="1" sz="1638"/>
+            </a:pPr>
+            <a:r>
+              <a:t>         	(CASE WHEN camp.discount &gt; 0 THEN 1 ELSE 0 END) AS discountReceived</a:t>
+            </a:r>
+          </a:p>
+          <a:p>
+            <a:pPr defTabSz="693420">
+              <a:spcBef>
+                <a:spcPts val="300"/>
+              </a:spcBef>
+              <a:defRPr i="1" sz="1638"/>
+            </a:pPr>
+            <a:r>
+              <a:t>         FROM customers cust </a:t>
+            </a:r>
+          </a:p>
+          <a:p>
+            <a:pPr defTabSz="693420">
+              <a:spcBef>
+                <a:spcPts val="300"/>
+              </a:spcBef>
+              <a:defRPr i="1" sz="1638"/>
+            </a:pPr>
+            <a:r>
+              <a:t>          JOIN orders ord</a:t>
+            </a:r>
+          </a:p>
+          <a:p>
+            <a:pPr defTabSz="693420">
+              <a:spcBef>
+                <a:spcPts val="300"/>
+              </a:spcBef>
+              <a:defRPr i="1" sz="1638"/>
+            </a:pPr>
+            <a:r>
+              <a:t>          	ON cust.customerid = ord.customerid</a:t>
+            </a:r>
+          </a:p>
+          <a:p>
+            <a:pPr defTabSz="693420">
+              <a:spcBef>
+                <a:spcPts val="300"/>
+              </a:spcBef>
+              <a:defRPr i="1" sz="1638"/>
+            </a:pPr>
+            <a:r>
+              <a:t>          JOIN campaigns camp</a:t>
+            </a:r>
+          </a:p>
+          <a:p>
+            <a:pPr defTabSz="693420">
+              <a:spcBef>
+                <a:spcPts val="300"/>
+              </a:spcBef>
+              <a:defRPr i="1" sz="1638"/>
+            </a:pPr>
+            <a:r>
+              <a:t>          	ON camp.campaignid = ord.campaignid</a:t>
+            </a:r>
+          </a:p>
+          <a:p>
+            <a:pPr defTabSz="693420">
+              <a:spcBef>
+                <a:spcPts val="300"/>
+              </a:spcBef>
+              <a:defRPr i="1" sz="1638"/>
+            </a:pPr>
+            <a:r>
+              <a:t>         ) t</a:t>
+            </a:r>
+          </a:p>
+          <a:p>
+            <a:pPr defTabSz="693420">
+              <a:spcBef>
+                <a:spcPts val="300"/>
+              </a:spcBef>
+              <a:defRPr i="1" sz="1638"/>
+            </a:pPr>
+            <a:r>
+              <a:t>    )</a:t>
+            </a:r>
+          </a:p>
+          <a:p>
+            <a:pPr defTabSz="693420">
+              <a:spcBef>
+                <a:spcPts val="300"/>
+              </a:spcBef>
+              <a:defRPr i="1" sz="1638"/>
+            </a:pPr>
+            <a:r>
+              <a:t>SELECT *</a:t>
+            </a:r>
+          </a:p>
+          <a:p>
+            <a:pPr defTabSz="693420">
+              <a:spcBef>
+                <a:spcPts val="300"/>
+              </a:spcBef>
+              <a:defRPr i="1" sz="1638"/>
+            </a:pPr>
+            <a:r>
+              <a:t>FROM cte</a:t>
+            </a:r>
+          </a:p>
+          <a:p>
+            <a:pPr defTabSz="693420">
+              <a:spcBef>
+                <a:spcPts val="300"/>
+              </a:spcBef>
+              <a:defRPr i="1" sz="1638"/>
+            </a:pPr>
+            <a:r>
+              <a:t>WHERE seqnum &lt;= 50</a:t>
             </a:r>
           </a:p>
         </p:txBody>
@@ -12024,7 +14110,38 @@
       </p:grpSpPr>
       <p:sp>
         <p:nvSpPr>
-          <p:cNvPr id="301" name="Titel 1"/>
+          <p:cNvPr id="301" name="Textfeld 1"/>
+          <p:cNvSpPr txBox="1"/>
+          <p:nvPr>
+            <p:ph type="sldNum" sz="quarter" idx="2"/>
+          </p:nvPr>
+        </p:nvSpPr>
+        <p:spPr>
+          <a:xfrm>
+            <a:off x="8622540" y="6309383"/>
+            <a:ext cx="184062" cy="269241"/>
+          </a:xfrm>
+          <a:prstGeom prst="rect">
+            <a:avLst/>
+          </a:prstGeom>
+          <a:extLst>
+            <a:ext uri="{C572A759-6A51-4108-AA02-DFA0A04FC94B}">
+              <ma14:wrappingTextBoxFlag xmlns:ma14="http://schemas.microsoft.com/office/mac/drawingml/2011/main" val="1"/>
+            </a:ext>
+          </a:extLst>
+        </p:spPr>
+        <p:txBody>
+          <a:bodyPr/>
+          <a:lstStyle/>
+          <a:p>
+            <a:pPr/>
+            <a:fld id="{86CB4B4D-7CA3-9044-876B-883B54F8677D}" type="slidenum"/>
+          </a:p>
+        </p:txBody>
+      </p:sp>
+      <p:sp>
+        <p:nvSpPr>
+          <p:cNvPr id="302" name="Titel 1"/>
           <p:cNvSpPr txBox="1"/>
           <p:nvPr>
             <p:ph type="title"/>
@@ -12041,14 +14158,14 @@
           <a:p>
             <a:pPr/>
             <a:r>
-              <a:t>3 Histograms</a:t>
-            </a:r>
-          </a:p>
-        </p:txBody>
-      </p:sp>
-      <p:sp>
-        <p:nvSpPr>
-          <p:cNvPr id="302" name="Textplatzhalter 3"/>
+              <a:t>2.1 TableSample - System and Bernoulli</a:t>
+            </a:r>
+          </a:p>
+        </p:txBody>
+      </p:sp>
+      <p:sp>
+        <p:nvSpPr>
+          <p:cNvPr id="303" name="Textplatzhalter 2"/>
           <p:cNvSpPr txBox="1"/>
           <p:nvPr>
             <p:ph type="body" idx="1"/>
@@ -12067,250 +14184,178 @@
           <a:bodyPr/>
           <a:lstStyle/>
           <a:p>
-            <a:pPr defTabSz="502920">
-              <a:spcBef>
-                <a:spcPts val="200"/>
-              </a:spcBef>
-              <a:defRPr sz="1188"/>
-            </a:pPr>
-            <a:r>
-              <a:t>Analyze distribution with the help of charts.</a:t>
-            </a:r>
-          </a:p>
-          <a:p>
-            <a:pPr defTabSz="502920">
-              <a:spcBef>
-                <a:spcPts val="200"/>
-              </a:spcBef>
-              <a:defRPr sz="1188"/>
-            </a:pPr>
-          </a:p>
-          <a:p>
-            <a:pPr defTabSz="502920">
-              <a:spcBef>
-                <a:spcPts val="200"/>
-              </a:spcBef>
-              <a:defRPr sz="1188"/>
-            </a:pPr>
-            <a:r>
-              <a:t>Ex: What is the distribution of orders by state and how is this related to the state’s population?</a:t>
-            </a:r>
-          </a:p>
-          <a:p>
-            <a:pPr defTabSz="502920">
+            <a:pPr defTabSz="632459">
               <a:spcBef>
                 <a:spcPts val="300"/>
               </a:spcBef>
-              <a:defRPr i="1" sz="1320"/>
-            </a:pPr>
-          </a:p>
-          <a:p>
-            <a:pPr defTabSz="502920">
+              <a:defRPr sz="1494"/>
+            </a:pPr>
+            <a:r>
+              <a:t>SELECT expr</a:t>
+            </a:r>
+          </a:p>
+          <a:p>
+            <a:pPr defTabSz="632459">
               <a:spcBef>
                 <a:spcPts val="300"/>
               </a:spcBef>
-              <a:defRPr i="1" sz="1320"/>
-            </a:pPr>
-            <a:r>
-              <a:t>— (4) Display the state along with number of orders and population of that state.</a:t>
-            </a:r>
-          </a:p>
-          <a:p>
-            <a:pPr defTabSz="502920">
+              <a:defRPr sz="1494"/>
+            </a:pPr>
+            <a:r>
+              <a:t>FROM table</a:t>
+            </a:r>
+          </a:p>
+          <a:p>
+            <a:pPr defTabSz="632459">
               <a:spcBef>
                 <a:spcPts val="300"/>
               </a:spcBef>
-              <a:defRPr i="1" sz="1320"/>
-            </a:pPr>
-            <a:r>
-              <a:t>SELECT State, SUM(numorders) as numorders, SUM(pop) as pop</a:t>
-            </a:r>
-          </a:p>
-          <a:p>
-            <a:pPr defTabSz="502920">
+              <a:defRPr sz="1494"/>
+            </a:pPr>
+            <a:r>
+              <a:t>TABLESAMPLE sampling_method (argument) [REPEATABLE(seed)]</a:t>
+            </a:r>
+          </a:p>
+          <a:p>
+            <a:pPr defTabSz="632459">
               <a:spcBef>
                 <a:spcPts val="300"/>
               </a:spcBef>
-              <a:defRPr i="1" sz="1320"/>
-            </a:pPr>
-            <a:r>
-              <a:t>FROM (</a:t>
-            </a:r>
-          </a:p>
-          <a:p>
-            <a:pPr defTabSz="502920">
+              <a:defRPr sz="1494"/>
+            </a:pPr>
+          </a:p>
+          <a:p>
+            <a:pPr defTabSz="632459">
               <a:spcBef>
                 <a:spcPts val="300"/>
               </a:spcBef>
-              <a:defRPr i="1" sz="1320"/>
-            </a:pPr>
-            <a:r>
-              <a:t>    -- (1) For each state in orders table, we find the number of orders.</a:t>
-            </a:r>
-          </a:p>
-          <a:p>
-            <a:pPr defTabSz="502920">
+              <a:defRPr sz="1494"/>
+            </a:pPr>
+            <a:r>
+              <a:t>Two types of sampling methods:</a:t>
+            </a:r>
+          </a:p>
+          <a:p>
+            <a:pPr defTabSz="632459">
               <a:spcBef>
                 <a:spcPts val="300"/>
               </a:spcBef>
-              <a:defRPr i="1" sz="1320"/>
-            </a:pPr>
-            <a:r>
-              <a:t>    (SELECT o.State, COUNT(*) as numorders, 0 as pop</a:t>
-            </a:r>
-          </a:p>
-          <a:p>
-            <a:pPr defTabSz="502920">
+              <a:defRPr sz="1494"/>
+            </a:pPr>
+            <a:r>
+              <a:t>(i) SYSTEM - which does block level sampling. It groups a set of tuples and randomly selects these groups.</a:t>
+            </a:r>
+          </a:p>
+          <a:p>
+            <a:pPr defTabSz="632459">
               <a:spcBef>
                 <a:spcPts val="300"/>
               </a:spcBef>
-              <a:defRPr i="1" sz="1320"/>
-            </a:pPr>
-            <a:r>
-              <a:t>    FROM Orders o</a:t>
-            </a:r>
-          </a:p>
-          <a:p>
-            <a:pPr defTabSz="502920">
+              <a:defRPr sz="1494"/>
+            </a:pPr>
+            <a:r>
+              <a:t>(ii) BERNOULLI - which does tuple level sampling. Each row has equal probability of being selected.</a:t>
+            </a:r>
+          </a:p>
+          <a:p>
+            <a:pPr defTabSz="632459">
               <a:spcBef>
                 <a:spcPts val="300"/>
               </a:spcBef>
-              <a:defRPr i="1" sz="1320"/>
-            </a:pPr>
-            <a:r>
-              <a:t>    GROUP BY o.state</a:t>
-            </a:r>
-          </a:p>
-          <a:p>
-            <a:pPr defTabSz="502920">
+              <a:defRPr sz="1494"/>
+            </a:pPr>
+          </a:p>
+          <a:p>
+            <a:pPr defTabSz="632459">
               <a:spcBef>
                 <a:spcPts val="300"/>
               </a:spcBef>
-              <a:defRPr i="1" sz="1320"/>
-            </a:pPr>
-            <a:r>
-              <a:t>	) </a:t>
-            </a:r>
-          </a:p>
-          <a:p>
-            <a:pPr defTabSz="502920">
+              <a:defRPr sz="1494"/>
+            </a:pPr>
+            <a:r>
+              <a:t>Ex: Generate a 10% random sample of the customers table, such that it can be reproduced at a later point of time.</a:t>
+            </a:r>
+          </a:p>
+          <a:p>
+            <a:pPr defTabSz="632459">
               <a:spcBef>
                 <a:spcPts val="300"/>
               </a:spcBef>
-              <a:defRPr i="1" sz="1320"/>
-            </a:pPr>
-            <a:r>
-              <a:t>    -- (3) UNION ALL combines all rows in two tables.</a:t>
-            </a:r>
-          </a:p>
-          <a:p>
-            <a:pPr defTabSz="502920">
+              <a:defRPr sz="1494"/>
+            </a:pPr>
+          </a:p>
+          <a:p>
+            <a:pPr defTabSz="632459">
               <a:spcBef>
                 <a:spcPts val="300"/>
               </a:spcBef>
-              <a:defRPr i="1" sz="1320"/>
-            </a:pPr>
-            <a:r>
-              <a:t>    UNION ALL</a:t>
-            </a:r>
-          </a:p>
-          <a:p>
-            <a:pPr defTabSz="502920">
+              <a:defRPr i="1" sz="1494"/>
+            </a:pPr>
+            <a:r>
+              <a:t>SELECT * </a:t>
+            </a:r>
+          </a:p>
+          <a:p>
+            <a:pPr defTabSz="632459">
               <a:spcBef>
                 <a:spcPts val="300"/>
               </a:spcBef>
-              <a:defRPr i="1" sz="1320"/>
-            </a:pPr>
-            <a:r>
-              <a:t>    -- (2) For each state in zipcensus table, we find the total population.</a:t>
-            </a:r>
-          </a:p>
-          <a:p>
-            <a:pPr defTabSz="502920">
+              <a:defRPr i="1" sz="1494"/>
+            </a:pPr>
+            <a:r>
+              <a:t>FROM customers</a:t>
+            </a:r>
+          </a:p>
+          <a:p>
+            <a:pPr defTabSz="632459">
               <a:spcBef>
                 <a:spcPts val="300"/>
               </a:spcBef>
-              <a:defRPr i="1" sz="1320"/>
-            </a:pPr>
-            <a:r>
-              <a:t>    (SELECT zc.stab, 0 as numorders, SUM(totpop) as pop</a:t>
-            </a:r>
-          </a:p>
-          <a:p>
-            <a:pPr defTabSz="502920">
+              <a:defRPr i="1" sz="1494"/>
+            </a:pPr>
+            <a:r>
+              <a:t>TABLESAMPLE SYSTEM(10) REPEATABLE(200);</a:t>
+            </a:r>
+          </a:p>
+          <a:p>
+            <a:pPr defTabSz="632459">
               <a:spcBef>
                 <a:spcPts val="300"/>
               </a:spcBef>
-              <a:defRPr i="1" sz="1320"/>
-            </a:pPr>
-            <a:r>
-              <a:t>     FROM ZipCensus zc</a:t>
-            </a:r>
-          </a:p>
-          <a:p>
-            <a:pPr defTabSz="502920">
+              <a:defRPr i="1" sz="1494"/>
+            </a:pPr>
+          </a:p>
+          <a:p>
+            <a:pPr defTabSz="632459">
               <a:spcBef>
                 <a:spcPts val="300"/>
               </a:spcBef>
-              <a:defRPr i="1" sz="1320"/>
-            </a:pPr>
-            <a:r>
-              <a:t>     GROUP BY zc.stab</a:t>
-            </a:r>
-          </a:p>
-          <a:p>
-            <a:pPr defTabSz="502920">
+              <a:defRPr i="1" sz="1494"/>
+            </a:pPr>
+            <a:r>
+              <a:t>SELECT * </a:t>
+            </a:r>
+          </a:p>
+          <a:p>
+            <a:pPr defTabSz="632459">
               <a:spcBef>
                 <a:spcPts val="300"/>
               </a:spcBef>
-              <a:defRPr i="1" sz="1320"/>
-            </a:pPr>
-            <a:r>
-              <a:t>    )</a:t>
-            </a:r>
-          </a:p>
-          <a:p>
-            <a:pPr defTabSz="502920">
+              <a:defRPr i="1" sz="1494"/>
+            </a:pPr>
+            <a:r>
+              <a:t>FROM customers</a:t>
+            </a:r>
+          </a:p>
+          <a:p>
+            <a:pPr defTabSz="632459">
               <a:spcBef>
                 <a:spcPts val="300"/>
               </a:spcBef>
-              <a:defRPr i="1" sz="1320"/>
-            </a:pPr>
-            <a:r>
-              <a:t>) summary</a:t>
-            </a:r>
-          </a:p>
-          <a:p>
-            <a:pPr defTabSz="502920">
-              <a:spcBef>
-                <a:spcPts val="300"/>
-              </a:spcBef>
-              <a:defRPr i="1" sz="1320"/>
-            </a:pPr>
-            <a:r>
-              <a:t>GROUP BY State</a:t>
-            </a:r>
-          </a:p>
-          <a:p>
-            <a:pPr defTabSz="502920">
-              <a:spcBef>
-                <a:spcPts val="300"/>
-              </a:spcBef>
-              <a:defRPr i="1" sz="1320"/>
-            </a:pPr>
-            <a:r>
-              <a:t>-- (5) Arrange the rows in descending order of number of orders</a:t>
-            </a:r>
-          </a:p>
-          <a:p>
-            <a:pPr defTabSz="502920">
-              <a:spcBef>
-                <a:spcPts val="300"/>
-              </a:spcBef>
-              <a:defRPr i="1" sz="1320"/>
-            </a:pPr>
-            <a:r>
-              <a:t>ORDER BY numorders DESC</a:t>
+              <a:defRPr i="1" sz="1494"/>
+            </a:pPr>
+            <a:r>
+              <a:t>TABLESAMPLE BERNOULLI(10) REPEATABLE(200);</a:t>
             </a:r>
           </a:p>
         </p:txBody>
